--- a/Design Expo/Poster.pptx
+++ b/Design Expo/Poster.pptx
@@ -3151,7 +3151,7 @@
         </p:blipFill>
         <p:spPr bwMode="auto">
           <a:xfrm>
-            <a:off x="19202400" y="13887450"/>
+            <a:off x="19277758" y="13818935"/>
             <a:ext cx="5486400" cy="9715500"/>
           </a:xfrm>
           <a:prstGeom prst="rect">
@@ -3206,7 +3206,7 @@
         </p:blipFill>
         <p:spPr>
           <a:xfrm>
-            <a:off x="1676400" y="23515273"/>
+            <a:off x="3886200" y="21915073"/>
             <a:ext cx="7696200" cy="3200400"/>
           </a:xfrm>
           <a:prstGeom prst="rect">
@@ -3236,7 +3236,7 @@
         </p:blipFill>
         <p:spPr>
           <a:xfrm>
-            <a:off x="33607012" y="24499341"/>
+            <a:off x="31280317" y="21915073"/>
             <a:ext cx="6781800" cy="4925034"/>
           </a:xfrm>
           <a:prstGeom prst="rect">
@@ -3312,7 +3312,7 @@
         </p:blipFill>
         <p:spPr>
           <a:xfrm>
-            <a:off x="34175700" y="986939"/>
+            <a:off x="34175700" y="976113"/>
             <a:ext cx="6172200" cy="2619773"/>
           </a:xfrm>
           <a:prstGeom prst="rect">
@@ -3498,7 +3498,7 @@
         </p:nvCxnSpPr>
         <p:spPr>
           <a:xfrm>
-            <a:off x="14630400" y="10026372"/>
+            <a:off x="14630400" y="11201400"/>
             <a:ext cx="14630400" cy="0"/>
           </a:xfrm>
           <a:prstGeom prst="line">
@@ -3533,7 +3533,7 @@
         </p:nvCxnSpPr>
         <p:spPr>
           <a:xfrm>
-            <a:off x="14630400" y="26517600"/>
+            <a:off x="14705758" y="24397741"/>
             <a:ext cx="14630400" cy="0"/>
           </a:xfrm>
           <a:prstGeom prst="line">
@@ -3568,8 +3568,8 @@
         </p:nvSpPr>
         <p:spPr>
           <a:xfrm>
-            <a:off x="685800" y="4953000"/>
-            <a:ext cx="12649200" cy="1415772"/>
+            <a:off x="2892472" y="4978400"/>
+            <a:ext cx="8845455" cy="1415772"/>
           </a:xfrm>
           <a:prstGeom prst="rect">
             <a:avLst/>
@@ -3584,7 +3584,11 @@
           <a:p>
             <a:r>
               <a:rPr lang="en-US" dirty="0" smtClean="0"/>
-              <a:t>Mechanical Modeling</a:t>
+              <a:t>Mechanical </a:t>
+            </a:r>
+            <a:r>
+              <a:rPr lang="en-US" dirty="0" smtClean="0"/>
+              <a:t>Design</a:t>
             </a:r>
             <a:endParaRPr lang="en-US" dirty="0"/>
           </a:p>
@@ -3611,7 +3615,7 @@
         </p:blipFill>
         <p:spPr bwMode="auto">
           <a:xfrm>
-            <a:off x="880281" y="8899386"/>
+            <a:off x="450582" y="8234361"/>
             <a:ext cx="2743200" cy="390525"/>
           </a:xfrm>
           <a:prstGeom prst="rect">
@@ -3644,7 +3648,7 @@
         </p:blipFill>
         <p:spPr bwMode="auto">
           <a:xfrm>
-            <a:off x="971408" y="9764434"/>
+            <a:off x="450582" y="8735158"/>
             <a:ext cx="3695700" cy="523875"/>
           </a:xfrm>
           <a:prstGeom prst="rect">
@@ -3677,7 +3681,7 @@
         </p:blipFill>
         <p:spPr bwMode="auto">
           <a:xfrm>
-            <a:off x="6178455" y="14111785"/>
+            <a:off x="7874189" y="8529636"/>
             <a:ext cx="1019175" cy="190500"/>
           </a:xfrm>
           <a:prstGeom prst="rect">
@@ -3710,7 +3714,7 @@
         </p:blipFill>
         <p:spPr bwMode="auto">
           <a:xfrm>
-            <a:off x="6178455" y="14839950"/>
+            <a:off x="7874189" y="8892320"/>
             <a:ext cx="3352800" cy="209550"/>
           </a:xfrm>
           <a:prstGeom prst="rect">
@@ -3730,7 +3734,7 @@
         </p:nvSpPr>
         <p:spPr>
           <a:xfrm>
-            <a:off x="914400" y="7304536"/>
+            <a:off x="389909" y="7304536"/>
             <a:ext cx="3276600" cy="707886"/>
           </a:xfrm>
           <a:prstGeom prst="rect">
@@ -3760,7 +3764,7 @@
         </p:nvSpPr>
         <p:spPr>
           <a:xfrm>
-            <a:off x="6096000" y="12722364"/>
+            <a:off x="7874189" y="7278596"/>
             <a:ext cx="3276600" cy="707886"/>
           </a:xfrm>
           <a:prstGeom prst="rect">
@@ -3782,15 +3786,45 @@
           </a:p>
         </p:txBody>
       </p:sp>
+      <p:sp>
+        <p:nvSpPr>
+          <p:cNvPr id="45" name="TextBox 44"/>
+          <p:cNvSpPr txBox="1"/>
+          <p:nvPr/>
+        </p:nvSpPr>
+        <p:spPr>
+          <a:xfrm>
+            <a:off x="2366153" y="19400504"/>
+            <a:ext cx="9898094" cy="1415772"/>
+          </a:xfrm>
+          <a:prstGeom prst="rect">
+            <a:avLst/>
+          </a:prstGeom>
+          <a:noFill/>
+        </p:spPr>
+        <p:txBody>
+          <a:bodyPr wrap="none" rtlCol="0">
+            <a:spAutoFit/>
+          </a:bodyPr>
+          <a:lstStyle/>
+          <a:p>
+            <a:r>
+              <a:rPr lang="en-US" dirty="0" smtClean="0"/>
+              <a:t>Non-Linear Controller</a:t>
+            </a:r>
+            <a:endParaRPr lang="en-US" dirty="0"/>
+          </a:p>
+        </p:txBody>
+      </p:sp>
       <p:pic>
         <p:nvPicPr>
-          <p:cNvPr id="36" name="Picture 35"/>
+          <p:cNvPr id="2" name="Picture 1" descr="Screen Clipping"/>
           <p:cNvPicPr>
             <a:picLocks noChangeAspect="1"/>
           </p:cNvPicPr>
           <p:nvPr/>
         </p:nvPicPr>
-        <p:blipFill rotWithShape="1">
+        <p:blipFill>
           <a:blip r:embed="rId11">
             <a:extLst>
               <a:ext uri="{28A0092B-C50C-407E-A947-70E740481C1C}">
@@ -3798,13 +3832,14 @@
               </a:ext>
             </a:extLst>
           </a:blip>
-          <a:srcRect l="4232" r="54600"/>
-          <a:stretch/>
+          <a:stretch>
+            <a:fillRect/>
+          </a:stretch>
         </p:blipFill>
         <p:spPr>
           <a:xfrm>
-            <a:off x="4667108" y="6705600"/>
-            <a:ext cx="2589061" cy="5715000"/>
+            <a:off x="31398439" y="7330771"/>
+            <a:ext cx="10355121" cy="5134692"/>
           </a:xfrm>
           <a:prstGeom prst="rect">
             <a:avLst/>
@@ -3813,43 +3848,823 @@
       </p:pic>
       <p:pic>
         <p:nvPicPr>
-          <p:cNvPr id="41" name="Picture 40"/>
+          <p:cNvPr id="26" name="Picture 4" descr="http://sine.ni.com/images/products/us/crio-9024_l.jpg"/>
+          <p:cNvPicPr>
+            <a:picLocks noChangeAspect="1" noChangeArrowheads="1"/>
+          </p:cNvPicPr>
+          <p:nvPr/>
+        </p:nvPicPr>
+        <p:blipFill rotWithShape="1">
+          <a:blip r:embed="rId12">
+            <a:extLst>
+              <a:ext uri="{28A0092B-C50C-407E-A947-70E740481C1C}">
+                <a14:useLocalDpi xmlns:a14="http://schemas.microsoft.com/office/drawing/2010/main" val="0"/>
+              </a:ext>
+            </a:extLst>
+          </a:blip>
+          <a:srcRect l="13223" t="4817" r="16365" b="7120"/>
+          <a:stretch/>
+        </p:blipFill>
+        <p:spPr bwMode="auto">
+          <a:xfrm>
+            <a:off x="31772592" y="13613007"/>
+            <a:ext cx="1981200" cy="1802613"/>
+          </a:xfrm>
+          <a:prstGeom prst="rect">
+            <a:avLst/>
+          </a:prstGeom>
+          <a:noFill/>
+          <a:extLst>
+            <a:ext uri="{909E8E84-426E-40DD-AFC4-6F175D3DCCD1}">
+              <a14:hiddenFill xmlns:a14="http://schemas.microsoft.com/office/drawing/2010/main">
+                <a:solidFill>
+                  <a:srgbClr val="FFFFFF"/>
+                </a:solidFill>
+              </a14:hiddenFill>
+            </a:ext>
+          </a:extLst>
+        </p:spPr>
+      </p:pic>
+      <p:pic>
+        <p:nvPicPr>
+          <p:cNvPr id="29" name="Picture 10" descr="http://robotbox.net/sites/default/files/imagecache/normal/part_pics/roboteq-motor-controler/roboteq.jpg"/>
+          <p:cNvPicPr>
+            <a:picLocks noChangeAspect="1" noChangeArrowheads="1"/>
+          </p:cNvPicPr>
+          <p:nvPr/>
+        </p:nvPicPr>
+        <p:blipFill>
+          <a:blip r:embed="rId13">
+            <a:extLst>
+              <a:ext uri="{28A0092B-C50C-407E-A947-70E740481C1C}">
+                <a14:useLocalDpi xmlns:a14="http://schemas.microsoft.com/office/drawing/2010/main" val="0"/>
+              </a:ext>
+            </a:extLst>
+          </a:blip>
+          <a:srcRect/>
+          <a:stretch>
+            <a:fillRect/>
+          </a:stretch>
+        </p:blipFill>
+        <p:spPr bwMode="auto">
+          <a:xfrm>
+            <a:off x="35294917" y="13741653"/>
+            <a:ext cx="2802488" cy="1474109"/>
+          </a:xfrm>
+          <a:prstGeom prst="rect">
+            <a:avLst/>
+          </a:prstGeom>
+          <a:noFill/>
+          <a:extLst>
+            <a:ext uri="{909E8E84-426E-40DD-AFC4-6F175D3DCCD1}">
+              <a14:hiddenFill xmlns:a14="http://schemas.microsoft.com/office/drawing/2010/main">
+                <a:solidFill>
+                  <a:srgbClr val="FFFFFF"/>
+                </a:solidFill>
+              </a14:hiddenFill>
+            </a:ext>
+          </a:extLst>
+        </p:spPr>
+      </p:pic>
+      <p:pic>
+        <p:nvPicPr>
+          <p:cNvPr id="30" name="Picture 8" descr="http://www.seattlerobotics.org/encoder/200610/article3/IMU%20Odometry,%20by%20David%20Anderson_files/3dmgx1.jpg"/>
+          <p:cNvPicPr>
+            <a:picLocks noChangeAspect="1" noChangeArrowheads="1"/>
+          </p:cNvPicPr>
+          <p:nvPr/>
+        </p:nvPicPr>
+        <p:blipFill>
+          <a:blip r:embed="rId14">
+            <a:extLst>
+              <a:ext uri="{28A0092B-C50C-407E-A947-70E740481C1C}">
+                <a14:useLocalDpi xmlns:a14="http://schemas.microsoft.com/office/drawing/2010/main" val="0"/>
+              </a:ext>
+            </a:extLst>
+          </a:blip>
+          <a:srcRect/>
+          <a:stretch>
+            <a:fillRect/>
+          </a:stretch>
+        </p:blipFill>
+        <p:spPr bwMode="auto">
+          <a:xfrm>
+            <a:off x="39741485" y="13573404"/>
+            <a:ext cx="1676400" cy="1271534"/>
+          </a:xfrm>
+          <a:prstGeom prst="rect">
+            <a:avLst/>
+          </a:prstGeom>
+          <a:noFill/>
+          <a:extLst>
+            <a:ext uri="{909E8E84-426E-40DD-AFC4-6F175D3DCCD1}">
+              <a14:hiddenFill xmlns:a14="http://schemas.microsoft.com/office/drawing/2010/main">
+                <a:solidFill>
+                  <a:srgbClr val="FFFFFF"/>
+                </a:solidFill>
+              </a14:hiddenFill>
+            </a:ext>
+          </a:extLst>
+        </p:spPr>
+      </p:pic>
+      <p:sp>
+        <p:nvSpPr>
+          <p:cNvPr id="3" name="TextBox 2"/>
+          <p:cNvSpPr txBox="1"/>
+          <p:nvPr/>
+        </p:nvSpPr>
+        <p:spPr>
+          <a:xfrm>
+            <a:off x="15279224" y="4953000"/>
+            <a:ext cx="13332752" cy="1415772"/>
+          </a:xfrm>
+          <a:prstGeom prst="rect">
+            <a:avLst/>
+          </a:prstGeom>
+          <a:noFill/>
+        </p:spPr>
+        <p:txBody>
+          <a:bodyPr wrap="none" rtlCol="0">
+            <a:spAutoFit/>
+          </a:bodyPr>
+          <a:lstStyle/>
+          <a:p>
+            <a:r>
+              <a:rPr lang="en-US" dirty="0" smtClean="0"/>
+              <a:t>Self Balancing Unicycle Robot</a:t>
+            </a:r>
+            <a:endParaRPr lang="en-US" dirty="0"/>
+          </a:p>
+        </p:txBody>
+      </p:sp>
+      <p:sp>
+        <p:nvSpPr>
+          <p:cNvPr id="4" name="TextBox 3"/>
+          <p:cNvSpPr txBox="1"/>
+          <p:nvPr/>
+        </p:nvSpPr>
+        <p:spPr>
+          <a:xfrm>
+            <a:off x="15279224" y="6368772"/>
+            <a:ext cx="5038174" cy="3477875"/>
+          </a:xfrm>
+          <a:prstGeom prst="rect">
+            <a:avLst/>
+          </a:prstGeom>
+          <a:noFill/>
+        </p:spPr>
+        <p:txBody>
+          <a:bodyPr wrap="none" rtlCol="0">
+            <a:spAutoFit/>
+          </a:bodyPr>
+          <a:lstStyle/>
+          <a:p>
+            <a:r>
+              <a:rPr lang="en-US" sz="4400" b="1" u="sng" dirty="0" smtClean="0"/>
+              <a:t>Team Members:</a:t>
+            </a:r>
+          </a:p>
+          <a:p>
+            <a:r>
+              <a:rPr lang="en-US" sz="4400" dirty="0" smtClean="0"/>
+              <a:t>Kevin Collins</a:t>
+            </a:r>
+          </a:p>
+          <a:p>
+            <a:r>
+              <a:rPr lang="en-US" sz="4400" dirty="0" smtClean="0"/>
+              <a:t>Spencer Carver</a:t>
+            </a:r>
+          </a:p>
+          <a:p>
+            <a:r>
+              <a:rPr lang="en-US" sz="4400" dirty="0" smtClean="0"/>
+              <a:t>Ander Solorzano</a:t>
+            </a:r>
+          </a:p>
+          <a:p>
+            <a:r>
+              <a:rPr lang="en-US" sz="4400" dirty="0" smtClean="0"/>
+              <a:t>Ruffin White-Magner</a:t>
+            </a:r>
+            <a:endParaRPr lang="en-US" sz="4400" dirty="0"/>
+          </a:p>
+        </p:txBody>
+      </p:sp>
+      <p:sp>
+        <p:nvSpPr>
+          <p:cNvPr id="44" name="TextBox 43"/>
+          <p:cNvSpPr txBox="1"/>
+          <p:nvPr/>
+        </p:nvSpPr>
+        <p:spPr>
+          <a:xfrm>
+            <a:off x="22631400" y="6336744"/>
+            <a:ext cx="5980576" cy="3477875"/>
+          </a:xfrm>
+          <a:prstGeom prst="rect">
+            <a:avLst/>
+          </a:prstGeom>
+          <a:noFill/>
+        </p:spPr>
+        <p:txBody>
+          <a:bodyPr wrap="square" rtlCol="0">
+            <a:spAutoFit/>
+          </a:bodyPr>
+          <a:lstStyle/>
+          <a:p>
+            <a:r>
+              <a:rPr lang="en-US" sz="4400" b="1" u="sng" dirty="0" smtClean="0"/>
+              <a:t>Client:</a:t>
+            </a:r>
+            <a:endParaRPr lang="en-US" sz="4400" dirty="0" smtClean="0"/>
+          </a:p>
+          <a:p>
+            <a:r>
+              <a:rPr lang="en-US" sz="4400" dirty="0" smtClean="0"/>
+              <a:t>Andy Chang</a:t>
+            </a:r>
+          </a:p>
+          <a:p>
+            <a:r>
+              <a:rPr lang="en-US" sz="4400" dirty="0" smtClean="0"/>
+              <a:t>(National Instruments)</a:t>
+            </a:r>
+          </a:p>
+          <a:p>
+            <a:r>
+              <a:rPr lang="en-US" sz="4400" b="1" u="sng" dirty="0" smtClean="0"/>
+              <a:t>Supervisor:</a:t>
+            </a:r>
+          </a:p>
+          <a:p>
+            <a:r>
+              <a:rPr lang="en-US" sz="4400" dirty="0" smtClean="0"/>
+              <a:t>Dr. Robert Throne</a:t>
+            </a:r>
+          </a:p>
+        </p:txBody>
+      </p:sp>
+      <p:sp>
+        <p:nvSpPr>
+          <p:cNvPr id="46" name="TextBox 45"/>
+          <p:cNvSpPr txBox="1"/>
+          <p:nvPr/>
+        </p:nvSpPr>
+        <p:spPr>
+          <a:xfrm>
+            <a:off x="18420229" y="11839992"/>
+            <a:ext cx="7201459" cy="1415772"/>
+          </a:xfrm>
+          <a:prstGeom prst="rect">
+            <a:avLst/>
+          </a:prstGeom>
+          <a:noFill/>
+        </p:spPr>
+        <p:txBody>
+          <a:bodyPr wrap="none" rtlCol="0">
+            <a:spAutoFit/>
+          </a:bodyPr>
+          <a:lstStyle/>
+          <a:p>
+            <a:r>
+              <a:rPr lang="en-US" dirty="0" smtClean="0"/>
+              <a:t>Unicycle Design</a:t>
+            </a:r>
+            <a:endParaRPr lang="en-US" dirty="0"/>
+          </a:p>
+        </p:txBody>
+      </p:sp>
+      <p:sp>
+        <p:nvSpPr>
+          <p:cNvPr id="47" name="TextBox 46"/>
+          <p:cNvSpPr txBox="1"/>
+          <p:nvPr/>
+        </p:nvSpPr>
+        <p:spPr>
+          <a:xfrm>
+            <a:off x="33998934" y="19400504"/>
+            <a:ext cx="4959371" cy="1415772"/>
+          </a:xfrm>
+          <a:prstGeom prst="rect">
+            <a:avLst/>
+          </a:prstGeom>
+          <a:noFill/>
+        </p:spPr>
+        <p:txBody>
+          <a:bodyPr wrap="none" rtlCol="0">
+            <a:spAutoFit/>
+          </a:bodyPr>
+          <a:lstStyle/>
+          <a:p>
+            <a:r>
+              <a:rPr lang="en-US" dirty="0" smtClean="0"/>
+              <a:t>Simulation</a:t>
+            </a:r>
+            <a:endParaRPr lang="en-US" dirty="0"/>
+          </a:p>
+        </p:txBody>
+      </p:sp>
+      <p:pic>
+        <p:nvPicPr>
+          <p:cNvPr id="6" name="Picture 5"/>
+          <p:cNvPicPr>
+            <a:picLocks noChangeAspect="1"/>
+          </p:cNvPicPr>
+          <p:nvPr/>
+        </p:nvPicPr>
+        <p:blipFill>
+          <a:blip r:embed="rId15">
+            <a:extLst>
+              <a:ext uri="{28A0092B-C50C-407E-A947-70E740481C1C}">
+                <a14:useLocalDpi xmlns:a14="http://schemas.microsoft.com/office/drawing/2010/main" val="0"/>
+              </a:ext>
+            </a:extLst>
+          </a:blip>
+          <a:stretch>
+            <a:fillRect/>
+          </a:stretch>
+        </p:blipFill>
+        <p:spPr>
+          <a:xfrm>
+            <a:off x="8790175" y="13994079"/>
+            <a:ext cx="4448760" cy="3114131"/>
+          </a:xfrm>
+          <a:prstGeom prst="rect">
+            <a:avLst/>
+          </a:prstGeom>
+        </p:spPr>
+      </p:pic>
+      <p:pic>
+        <p:nvPicPr>
+          <p:cNvPr id="7" name="Picture 6"/>
           <p:cNvPicPr>
             <a:picLocks noChangeAspect="1"/>
           </p:cNvPicPr>
           <p:nvPr/>
         </p:nvPicPr>
         <p:blipFill rotWithShape="1">
-          <a:blip r:embed="rId11">
+          <a:blip r:embed="rId16">
             <a:extLst>
               <a:ext uri="{28A0092B-C50C-407E-A947-70E740481C1C}">
                 <a14:useLocalDpi xmlns:a14="http://schemas.microsoft.com/office/drawing/2010/main" val="0"/>
               </a:ext>
             </a:extLst>
           </a:blip>
-          <a:srcRect l="54550"/>
+          <a:srcRect l="5536" t="2662" r="4439" b="5292"/>
           <a:stretch/>
         </p:blipFill>
         <p:spPr>
           <a:xfrm>
-            <a:off x="11049000" y="11999060"/>
-            <a:ext cx="2841720" cy="5681779"/>
+            <a:off x="1460310" y="14844938"/>
+            <a:ext cx="1992574" cy="2037343"/>
           </a:xfrm>
           <a:prstGeom prst="rect">
             <a:avLst/>
           </a:prstGeom>
         </p:spPr>
       </p:pic>
-      <p:sp>
-        <p:nvSpPr>
-          <p:cNvPr id="45" name="TextBox 44"/>
+      <p:grpSp>
+        <p:nvGrpSpPr>
+          <p:cNvPr id="66" name="Group 65"/>
+          <p:cNvGrpSpPr/>
+          <p:nvPr/>
+        </p:nvGrpSpPr>
+        <p:grpSpPr>
+          <a:xfrm>
+            <a:off x="10903148" y="6113797"/>
+            <a:ext cx="3223292" cy="7012837"/>
+            <a:chOff x="10712750" y="10668000"/>
+            <a:chExt cx="3223292" cy="7012837"/>
+          </a:xfrm>
+        </p:grpSpPr>
+        <p:pic>
+          <p:nvPicPr>
+            <p:cNvPr id="41" name="Picture 40"/>
+            <p:cNvPicPr>
+              <a:picLocks noChangeAspect="1"/>
+            </p:cNvPicPr>
+            <p:nvPr/>
+          </p:nvPicPr>
+          <p:blipFill rotWithShape="1">
+            <a:blip r:embed="rId17">
+              <a:extLst>
+                <a:ext uri="{28A0092B-C50C-407E-A947-70E740481C1C}">
+                  <a14:useLocalDpi xmlns:a14="http://schemas.microsoft.com/office/drawing/2010/main" val="0"/>
+                </a:ext>
+              </a:extLst>
+            </a:blip>
+            <a:srcRect l="54550"/>
+            <a:stretch/>
+          </p:blipFill>
+          <p:spPr>
+            <a:xfrm rot="843993">
+              <a:off x="10712750" y="11999058"/>
+              <a:ext cx="2841720" cy="5681779"/>
+            </a:xfrm>
+            <a:prstGeom prst="rect">
+              <a:avLst/>
+            </a:prstGeom>
+          </p:spPr>
+        </p:pic>
+        <p:cxnSp>
+          <p:nvCxnSpPr>
+            <p:cNvPr id="21" name="Straight Connector 20"/>
+            <p:cNvCxnSpPr/>
+            <p:nvPr/>
+          </p:nvCxnSpPr>
+          <p:spPr>
+            <a:xfrm>
+              <a:off x="11484592" y="10668000"/>
+              <a:ext cx="0" cy="6705600"/>
+            </a:xfrm>
+            <a:prstGeom prst="line">
+              <a:avLst/>
+            </a:prstGeom>
+          </p:spPr>
+          <p:style>
+            <a:lnRef idx="1">
+              <a:schemeClr val="accent1"/>
+            </a:lnRef>
+            <a:fillRef idx="0">
+              <a:schemeClr val="accent1"/>
+            </a:fillRef>
+            <a:effectRef idx="0">
+              <a:schemeClr val="accent1"/>
+            </a:effectRef>
+            <a:fontRef idx="minor">
+              <a:schemeClr val="tx1"/>
+            </a:fontRef>
+          </p:style>
+        </p:cxnSp>
+        <p:cxnSp>
+          <p:nvCxnSpPr>
+            <p:cNvPr id="49" name="Straight Connector 48"/>
+            <p:cNvCxnSpPr/>
+            <p:nvPr/>
+          </p:nvCxnSpPr>
+          <p:spPr>
+            <a:xfrm flipH="1">
+              <a:off x="11484592" y="10834048"/>
+              <a:ext cx="1676400" cy="6553200"/>
+            </a:xfrm>
+            <a:prstGeom prst="line">
+              <a:avLst/>
+            </a:prstGeom>
+          </p:spPr>
+          <p:style>
+            <a:lnRef idx="1">
+              <a:schemeClr val="accent1"/>
+            </a:lnRef>
+            <a:fillRef idx="0">
+              <a:schemeClr val="accent1"/>
+            </a:fillRef>
+            <a:effectRef idx="0">
+              <a:schemeClr val="accent1"/>
+            </a:effectRef>
+            <a:fontRef idx="minor">
+              <a:schemeClr val="tx1"/>
+            </a:fontRef>
+          </p:style>
+        </p:cxnSp>
+        <p:sp>
+          <p:nvSpPr>
+            <p:cNvPr id="52" name="TextBox 51"/>
+            <p:cNvSpPr txBox="1"/>
+            <p:nvPr/>
+          </p:nvSpPr>
+          <p:spPr>
+            <a:xfrm>
+              <a:off x="13551270" y="11514036"/>
+              <a:ext cx="384772" cy="707886"/>
+            </a:xfrm>
+            <a:prstGeom prst="rect">
+              <a:avLst/>
+            </a:prstGeom>
+            <a:noFill/>
+          </p:spPr>
+          <p:txBody>
+            <a:bodyPr wrap="square" rtlCol="0">
+              <a:spAutoFit/>
+            </a:bodyPr>
+            <a:lstStyle/>
+            <a:p>
+              <a:r>
+                <a:rPr lang="el-GR" sz="4000" dirty="0" smtClean="0"/>
+                <a:t>τ</a:t>
+              </a:r>
+              <a:endParaRPr lang="en-US" sz="4000" dirty="0"/>
+            </a:p>
+          </p:txBody>
+        </p:sp>
+        <p:sp>
+          <p:nvSpPr>
+            <p:cNvPr id="54" name="TextBox 53"/>
+            <p:cNvSpPr txBox="1"/>
+            <p:nvPr/>
+          </p:nvSpPr>
+          <p:spPr>
+            <a:xfrm>
+              <a:off x="11960221" y="10806150"/>
+              <a:ext cx="526320" cy="707886"/>
+            </a:xfrm>
+            <a:prstGeom prst="rect">
+              <a:avLst/>
+            </a:prstGeom>
+            <a:noFill/>
+          </p:spPr>
+          <p:txBody>
+            <a:bodyPr wrap="square" rtlCol="0">
+              <a:spAutoFit/>
+            </a:bodyPr>
+            <a:lstStyle/>
+            <a:p>
+              <a:r>
+                <a:rPr lang="el-GR" sz="4000" dirty="0" smtClean="0"/>
+                <a:t>θ</a:t>
+              </a:r>
+              <a:endParaRPr lang="en-US" sz="4000" dirty="0"/>
+            </a:p>
+          </p:txBody>
+        </p:sp>
+        <p:sp>
+          <p:nvSpPr>
+            <p:cNvPr id="55" name="Curved Down Arrow 54"/>
+            <p:cNvSpPr/>
+            <p:nvPr/>
+          </p:nvSpPr>
+          <p:spPr>
+            <a:xfrm rot="1055557" flipH="1">
+              <a:off x="11679536" y="11726622"/>
+              <a:ext cx="2247900" cy="990600"/>
+            </a:xfrm>
+            <a:prstGeom prst="curvedDownArrow">
+              <a:avLst/>
+            </a:prstGeom>
+          </p:spPr>
+          <p:style>
+            <a:lnRef idx="2">
+              <a:schemeClr val="accent1">
+                <a:shade val="50000"/>
+              </a:schemeClr>
+            </a:lnRef>
+            <a:fillRef idx="1">
+              <a:schemeClr val="accent1"/>
+            </a:fillRef>
+            <a:effectRef idx="0">
+              <a:schemeClr val="accent1"/>
+            </a:effectRef>
+            <a:fontRef idx="minor">
+              <a:schemeClr val="lt1"/>
+            </a:fontRef>
+          </p:style>
+          <p:txBody>
+            <a:bodyPr rtlCol="0" anchor="ctr"/>
+            <a:lstStyle/>
+            <a:p>
+              <a:pPr algn="ctr"/>
+              <a:endParaRPr lang="en-US">
+                <a:solidFill>
+                  <a:schemeClr val="tx1"/>
+                </a:solidFill>
+              </a:endParaRPr>
+            </a:p>
+          </p:txBody>
+        </p:sp>
+      </p:grpSp>
+      <p:grpSp>
+        <p:nvGrpSpPr>
+          <p:cNvPr id="68" name="Group 67"/>
+          <p:cNvGrpSpPr/>
+          <p:nvPr/>
+        </p:nvGrpSpPr>
+        <p:grpSpPr>
+          <a:xfrm>
+            <a:off x="2318526" y="6430637"/>
+            <a:ext cx="3944090" cy="6421420"/>
+            <a:chOff x="3686981" y="6609834"/>
+            <a:chExt cx="3944090" cy="6421420"/>
+          </a:xfrm>
+        </p:grpSpPr>
+        <p:pic>
+          <p:nvPicPr>
+            <p:cNvPr id="36" name="Picture 35"/>
+            <p:cNvPicPr>
+              <a:picLocks noChangeAspect="1"/>
+            </p:cNvPicPr>
+            <p:nvPr/>
+          </p:nvPicPr>
+          <p:blipFill rotWithShape="1">
+            <a:blip r:embed="rId17">
+              <a:extLst>
+                <a:ext uri="{28A0092B-C50C-407E-A947-70E740481C1C}">
+                  <a14:useLocalDpi xmlns:a14="http://schemas.microsoft.com/office/drawing/2010/main" val="0"/>
+                </a:ext>
+              </a:extLst>
+            </a:blip>
+            <a:srcRect l="4232" r="54600"/>
+            <a:stretch/>
+          </p:blipFill>
+          <p:spPr>
+            <a:xfrm rot="1268608">
+              <a:off x="5042010" y="7316254"/>
+              <a:ext cx="2589061" cy="5715000"/>
+            </a:xfrm>
+            <a:prstGeom prst="rect">
+              <a:avLst/>
+            </a:prstGeom>
+          </p:spPr>
+        </p:pic>
+        <p:grpSp>
+          <p:nvGrpSpPr>
+            <p:cNvPr id="67" name="Group 66"/>
+            <p:cNvGrpSpPr/>
+            <p:nvPr/>
+          </p:nvGrpSpPr>
+          <p:grpSpPr>
+            <a:xfrm>
+              <a:off x="3686981" y="6609834"/>
+              <a:ext cx="3628219" cy="5845792"/>
+              <a:chOff x="3686981" y="6609834"/>
+              <a:chExt cx="3628219" cy="5845792"/>
+            </a:xfrm>
+          </p:grpSpPr>
+          <p:sp>
+            <p:nvSpPr>
+              <p:cNvPr id="57" name="Curved Down Arrow 56"/>
+              <p:cNvSpPr/>
+              <p:nvPr/>
+            </p:nvSpPr>
+            <p:spPr>
+              <a:xfrm rot="17534477">
+                <a:off x="3621558" y="10914775"/>
+                <a:ext cx="2091102" cy="990600"/>
+              </a:xfrm>
+              <a:prstGeom prst="curvedDownArrow">
+                <a:avLst/>
+              </a:prstGeom>
+            </p:spPr>
+            <p:style>
+              <a:lnRef idx="2">
+                <a:schemeClr val="accent1">
+                  <a:shade val="50000"/>
+                </a:schemeClr>
+              </a:lnRef>
+              <a:fillRef idx="1">
+                <a:schemeClr val="accent1"/>
+              </a:fillRef>
+              <a:effectRef idx="0">
+                <a:schemeClr val="accent1"/>
+              </a:effectRef>
+              <a:fontRef idx="minor">
+                <a:schemeClr val="lt1"/>
+              </a:fontRef>
+            </p:style>
+            <p:txBody>
+              <a:bodyPr rtlCol="0" anchor="ctr"/>
+              <a:lstStyle/>
+              <a:p>
+                <a:pPr algn="ctr"/>
+                <a:endParaRPr lang="en-US">
+                  <a:solidFill>
+                    <a:schemeClr val="tx1"/>
+                  </a:solidFill>
+                </a:endParaRPr>
+              </a:p>
+            </p:txBody>
+          </p:sp>
+          <p:cxnSp>
+            <p:nvCxnSpPr>
+              <p:cNvPr id="58" name="Straight Connector 57"/>
+              <p:cNvCxnSpPr/>
+              <p:nvPr/>
+            </p:nvCxnSpPr>
+            <p:spPr>
+              <a:xfrm flipV="1">
+                <a:off x="5486400" y="7162800"/>
+                <a:ext cx="1828800" cy="4772167"/>
+              </a:xfrm>
+              <a:prstGeom prst="line">
+                <a:avLst/>
+              </a:prstGeom>
+            </p:spPr>
+            <p:style>
+              <a:lnRef idx="1">
+                <a:schemeClr val="accent1"/>
+              </a:lnRef>
+              <a:fillRef idx="0">
+                <a:schemeClr val="accent1"/>
+              </a:fillRef>
+              <a:effectRef idx="0">
+                <a:schemeClr val="accent1"/>
+              </a:effectRef>
+              <a:fontRef idx="minor">
+                <a:schemeClr val="tx1"/>
+              </a:fontRef>
+            </p:style>
+          </p:cxnSp>
+          <p:cxnSp>
+            <p:nvCxnSpPr>
+              <p:cNvPr id="60" name="Straight Connector 59"/>
+              <p:cNvCxnSpPr/>
+              <p:nvPr/>
+            </p:nvCxnSpPr>
+            <p:spPr>
+              <a:xfrm flipV="1">
+                <a:off x="5486400" y="6609834"/>
+                <a:ext cx="0" cy="5298398"/>
+              </a:xfrm>
+              <a:prstGeom prst="line">
+                <a:avLst/>
+              </a:prstGeom>
+            </p:spPr>
+            <p:style>
+              <a:lnRef idx="1">
+                <a:schemeClr val="accent1"/>
+              </a:lnRef>
+              <a:fillRef idx="0">
+                <a:schemeClr val="accent1"/>
+              </a:fillRef>
+              <a:effectRef idx="0">
+                <a:schemeClr val="accent1"/>
+              </a:effectRef>
+              <a:fontRef idx="minor">
+                <a:schemeClr val="tx1"/>
+              </a:fontRef>
+            </p:style>
+          </p:cxnSp>
+          <p:sp>
+            <p:nvSpPr>
+              <p:cNvPr id="64" name="TextBox 63"/>
+              <p:cNvSpPr txBox="1"/>
+              <p:nvPr/>
+            </p:nvSpPr>
+            <p:spPr>
+              <a:xfrm>
+                <a:off x="5762005" y="7721738"/>
+                <a:ext cx="1277590" cy="707886"/>
+              </a:xfrm>
+              <a:prstGeom prst="rect">
+                <a:avLst/>
+              </a:prstGeom>
+              <a:noFill/>
+            </p:spPr>
+            <p:txBody>
+              <a:bodyPr wrap="square" rtlCol="0">
+                <a:spAutoFit/>
+              </a:bodyPr>
+              <a:lstStyle/>
+              <a:p>
+                <a:r>
+                  <a:rPr lang="el-GR" sz="4000" dirty="0"/>
+                  <a:t>α</a:t>
+                </a:r>
+                <a:endParaRPr lang="en-US" sz="4000" dirty="0"/>
+              </a:p>
+            </p:txBody>
+          </p:sp>
+          <p:sp>
+            <p:nvSpPr>
+              <p:cNvPr id="65" name="TextBox 64"/>
+              <p:cNvSpPr txBox="1"/>
+              <p:nvPr/>
+            </p:nvSpPr>
+            <p:spPr>
+              <a:xfrm>
+                <a:off x="3686981" y="10702190"/>
+                <a:ext cx="439576" cy="707886"/>
+              </a:xfrm>
+              <a:prstGeom prst="rect">
+                <a:avLst/>
+              </a:prstGeom>
+              <a:noFill/>
+            </p:spPr>
+            <p:txBody>
+              <a:bodyPr wrap="square" rtlCol="0">
+                <a:spAutoFit/>
+              </a:bodyPr>
+              <a:lstStyle/>
+              <a:p>
+                <a:r>
+                  <a:rPr lang="el-GR" sz="4000" dirty="0" smtClean="0"/>
+                  <a:t>τ</a:t>
+                </a:r>
+                <a:endParaRPr lang="en-US" sz="4000" dirty="0"/>
+              </a:p>
+            </p:txBody>
+          </p:sp>
+        </p:grpSp>
+      </p:grpSp>
+      <p:sp>
+        <p:nvSpPr>
+          <p:cNvPr id="70" name="TextBox 69"/>
           <p:cNvSpPr txBox="1"/>
           <p:nvPr/>
         </p:nvSpPr>
         <p:spPr>
           <a:xfrm>
-            <a:off x="1599195" y="19326852"/>
-            <a:ext cx="3925305" cy="1415772"/>
+            <a:off x="609600" y="13671981"/>
+            <a:ext cx="3276600" cy="707886"/>
           </a:xfrm>
           <a:prstGeom prst="rect">
             <a:avLst/>
@@ -3857,16 +4672,46 @@
           <a:noFill/>
         </p:spPr>
         <p:txBody>
-          <a:bodyPr wrap="none" rtlCol="0">
+          <a:bodyPr wrap="square" rtlCol="0">
             <a:spAutoFit/>
           </a:bodyPr>
           <a:lstStyle/>
           <a:p>
             <a:r>
-              <a:rPr lang="en-US" dirty="0" smtClean="0"/>
-              <a:t>Controls</a:t>
-            </a:r>
-            <a:endParaRPr lang="en-US" dirty="0"/>
+              <a:rPr lang="en-US" sz="4000" dirty="0" smtClean="0"/>
+              <a:t>End Fasteners</a:t>
+            </a:r>
+            <a:endParaRPr lang="en-US" sz="4000" dirty="0"/>
+          </a:p>
+        </p:txBody>
+      </p:sp>
+      <p:sp>
+        <p:nvSpPr>
+          <p:cNvPr id="71" name="TextBox 70"/>
+          <p:cNvSpPr txBox="1"/>
+          <p:nvPr/>
+        </p:nvSpPr>
+        <p:spPr>
+          <a:xfrm>
+            <a:off x="8153400" y="13703626"/>
+            <a:ext cx="3276600" cy="707886"/>
+          </a:xfrm>
+          <a:prstGeom prst="rect">
+            <a:avLst/>
+          </a:prstGeom>
+          <a:noFill/>
+        </p:spPr>
+        <p:txBody>
+          <a:bodyPr wrap="square" rtlCol="0">
+            <a:spAutoFit/>
+          </a:bodyPr>
+          <a:lstStyle/>
+          <a:p>
+            <a:r>
+              <a:rPr lang="en-US" sz="4000" dirty="0" smtClean="0"/>
+              <a:t>Anchor Bolts</a:t>
+            </a:r>
+            <a:endParaRPr lang="en-US" sz="4000" dirty="0"/>
           </a:p>
         </p:txBody>
       </p:sp>

--- a/Design Expo/Poster.pptx
+++ b/Design Expo/Poster.pptx
@@ -3236,7 +3236,7 @@
         </p:blipFill>
         <p:spPr>
           <a:xfrm>
-            <a:off x="31280317" y="21915073"/>
+            <a:off x="32763192" y="22250400"/>
             <a:ext cx="6781800" cy="4925034"/>
           </a:xfrm>
           <a:prstGeom prst="rect">
@@ -3584,11 +3584,7 @@
           <a:p>
             <a:r>
               <a:rPr lang="en-US" dirty="0" smtClean="0"/>
-              <a:t>Mechanical </a:t>
-            </a:r>
-            <a:r>
-              <a:rPr lang="en-US" dirty="0" smtClean="0"/>
-              <a:t>Design</a:t>
+              <a:t>Mechanical Design</a:t>
             </a:r>
             <a:endParaRPr lang="en-US" dirty="0"/>
           </a:p>

--- a/Design Expo/Poster.pptx
+++ b/Design Expo/Poster.pptx
@@ -288,7 +288,7 @@
           <a:p>
             <a:fld id="{9283E63E-09FA-41D7-AF21-C61317062C8C}" type="datetimeFigureOut">
               <a:rPr lang="en-US" smtClean="0"/>
-              <a:t>2/6/2013</a:t>
+              <a:t>2/7/2013</a:t>
             </a:fld>
             <a:endParaRPr lang="en-US"/>
           </a:p>
@@ -458,7 +458,7 @@
           <a:p>
             <a:fld id="{9283E63E-09FA-41D7-AF21-C61317062C8C}" type="datetimeFigureOut">
               <a:rPr lang="en-US" smtClean="0"/>
-              <a:t>2/6/2013</a:t>
+              <a:t>2/7/2013</a:t>
             </a:fld>
             <a:endParaRPr lang="en-US"/>
           </a:p>
@@ -638,7 +638,7 @@
           <a:p>
             <a:fld id="{9283E63E-09FA-41D7-AF21-C61317062C8C}" type="datetimeFigureOut">
               <a:rPr lang="en-US" smtClean="0"/>
-              <a:t>2/6/2013</a:t>
+              <a:t>2/7/2013</a:t>
             </a:fld>
             <a:endParaRPr lang="en-US"/>
           </a:p>
@@ -808,7 +808,7 @@
           <a:p>
             <a:fld id="{9283E63E-09FA-41D7-AF21-C61317062C8C}" type="datetimeFigureOut">
               <a:rPr lang="en-US" smtClean="0"/>
-              <a:t>2/6/2013</a:t>
+              <a:t>2/7/2013</a:t>
             </a:fld>
             <a:endParaRPr lang="en-US"/>
           </a:p>
@@ -1054,7 +1054,7 @@
           <a:p>
             <a:fld id="{9283E63E-09FA-41D7-AF21-C61317062C8C}" type="datetimeFigureOut">
               <a:rPr lang="en-US" smtClean="0"/>
-              <a:t>2/6/2013</a:t>
+              <a:t>2/7/2013</a:t>
             </a:fld>
             <a:endParaRPr lang="en-US"/>
           </a:p>
@@ -1342,7 +1342,7 @@
           <a:p>
             <a:fld id="{9283E63E-09FA-41D7-AF21-C61317062C8C}" type="datetimeFigureOut">
               <a:rPr lang="en-US" smtClean="0"/>
-              <a:t>2/6/2013</a:t>
+              <a:t>2/7/2013</a:t>
             </a:fld>
             <a:endParaRPr lang="en-US"/>
           </a:p>
@@ -1769,7 +1769,7 @@
           <a:p>
             <a:fld id="{9283E63E-09FA-41D7-AF21-C61317062C8C}" type="datetimeFigureOut">
               <a:rPr lang="en-US" smtClean="0"/>
-              <a:t>2/6/2013</a:t>
+              <a:t>2/7/2013</a:t>
             </a:fld>
             <a:endParaRPr lang="en-US"/>
           </a:p>
@@ -1887,7 +1887,7 @@
           <a:p>
             <a:fld id="{9283E63E-09FA-41D7-AF21-C61317062C8C}" type="datetimeFigureOut">
               <a:rPr lang="en-US" smtClean="0"/>
-              <a:t>2/6/2013</a:t>
+              <a:t>2/7/2013</a:t>
             </a:fld>
             <a:endParaRPr lang="en-US"/>
           </a:p>
@@ -1982,7 +1982,7 @@
           <a:p>
             <a:fld id="{9283E63E-09FA-41D7-AF21-C61317062C8C}" type="datetimeFigureOut">
               <a:rPr lang="en-US" smtClean="0"/>
-              <a:t>2/6/2013</a:t>
+              <a:t>2/7/2013</a:t>
             </a:fld>
             <a:endParaRPr lang="en-US"/>
           </a:p>
@@ -2259,7 +2259,7 @@
           <a:p>
             <a:fld id="{9283E63E-09FA-41D7-AF21-C61317062C8C}" type="datetimeFigureOut">
               <a:rPr lang="en-US" smtClean="0"/>
-              <a:t>2/6/2013</a:t>
+              <a:t>2/7/2013</a:t>
             </a:fld>
             <a:endParaRPr lang="en-US"/>
           </a:p>
@@ -2512,7 +2512,7 @@
           <a:p>
             <a:fld id="{9283E63E-09FA-41D7-AF21-C61317062C8C}" type="datetimeFigureOut">
               <a:rPr lang="en-US" smtClean="0"/>
-              <a:t>2/6/2013</a:t>
+              <a:t>2/7/2013</a:t>
             </a:fld>
             <a:endParaRPr lang="en-US"/>
           </a:p>
@@ -2725,7 +2725,7 @@
           <a:p>
             <a:fld id="{9283E63E-09FA-41D7-AF21-C61317062C8C}" type="datetimeFigureOut">
               <a:rPr lang="en-US" smtClean="0"/>
-              <a:t>2/6/2013</a:t>
+              <a:t>2/7/2013</a:t>
             </a:fld>
             <a:endParaRPr lang="en-US"/>
           </a:p>
@@ -3151,8 +3151,8 @@
         </p:blipFill>
         <p:spPr bwMode="auto">
           <a:xfrm>
-            <a:off x="19277758" y="13818935"/>
-            <a:ext cx="5486400" cy="9715500"/>
+            <a:off x="18897600" y="13818935"/>
+            <a:ext cx="5866558" cy="10388696"/>
           </a:xfrm>
           <a:prstGeom prst="rect">
             <a:avLst/>
@@ -3194,28 +3194,6 @@
       </p:pic>
       <p:pic>
         <p:nvPicPr>
-          <p:cNvPr id="12" name="Picture 11"/>
-          <p:cNvPicPr/>
-          <p:nvPr/>
-        </p:nvPicPr>
-        <p:blipFill>
-          <a:blip r:embed="rId3"/>
-          <a:stretch>
-            <a:fillRect/>
-          </a:stretch>
-        </p:blipFill>
-        <p:spPr>
-          <a:xfrm>
-            <a:off x="3886200" y="21915073"/>
-            <a:ext cx="7696200" cy="3200400"/>
-          </a:xfrm>
-          <a:prstGeom prst="rect">
-            <a:avLst/>
-          </a:prstGeom>
-        </p:spPr>
-      </p:pic>
-      <p:pic>
-        <p:nvPicPr>
           <p:cNvPr id="13" name="Picture 12"/>
           <p:cNvPicPr>
             <a:picLocks noChangeAspect="1"/>
@@ -3223,7 +3201,7 @@
           <p:nvPr/>
         </p:nvPicPr>
         <p:blipFill>
-          <a:blip r:embed="rId4">
+          <a:blip r:embed="rId3">
             <a:extLst>
               <a:ext uri="{28A0092B-C50C-407E-A947-70E740481C1C}">
                 <a14:useLocalDpi xmlns:a14="http://schemas.microsoft.com/office/drawing/2010/main" val="0"/>
@@ -3236,7 +3214,7 @@
         </p:blipFill>
         <p:spPr>
           <a:xfrm>
-            <a:off x="32763192" y="22250400"/>
+            <a:off x="35567405" y="23130744"/>
             <a:ext cx="6781800" cy="4925034"/>
           </a:xfrm>
           <a:prstGeom prst="rect">
@@ -3299,7 +3277,7 @@
           <p:nvPr/>
         </p:nvPicPr>
         <p:blipFill>
-          <a:blip r:embed="rId5" cstate="print">
+          <a:blip r:embed="rId4" cstate="print">
             <a:extLst>
               <a:ext uri="{28A0092B-C50C-407E-A947-70E740481C1C}">
                 <a14:useLocalDpi xmlns:a14="http://schemas.microsoft.com/office/drawing/2010/main" val="0"/>
@@ -3329,7 +3307,7 @@
           <p:nvPr/>
         </p:nvPicPr>
         <p:blipFill>
-          <a:blip r:embed="rId6" cstate="print">
+          <a:blip r:embed="rId5" cstate="print">
             <a:extLst>
               <a:ext uri="{28A0092B-C50C-407E-A947-70E740481C1C}">
                 <a14:useLocalDpi xmlns:a14="http://schemas.microsoft.com/office/drawing/2010/main" val="0"/>
@@ -3597,6 +3575,39 @@
           <p:nvPr/>
         </p:nvPicPr>
         <p:blipFill>
+          <a:blip r:embed="rId6" cstate="print">
+            <a:extLst>
+              <a:ext uri="{28A0092B-C50C-407E-A947-70E740481C1C}">
+                <a14:useLocalDpi xmlns:a14="http://schemas.microsoft.com/office/drawing/2010/main" val="0"/>
+              </a:ext>
+            </a:extLst>
+          </a:blip>
+          <a:srcRect/>
+          <a:stretch>
+            <a:fillRect/>
+          </a:stretch>
+        </p:blipFill>
+        <p:spPr bwMode="auto">
+          <a:xfrm>
+            <a:off x="450582" y="8234361"/>
+            <a:ext cx="2743200" cy="390525"/>
+          </a:xfrm>
+          <a:prstGeom prst="rect">
+            <a:avLst/>
+          </a:prstGeom>
+          <a:noFill/>
+          <a:ln>
+            <a:noFill/>
+          </a:ln>
+        </p:spPr>
+      </p:pic>
+      <p:pic>
+        <p:nvPicPr>
+          <p:cNvPr id="38" name="Picture 37"/>
+          <p:cNvPicPr/>
+          <p:nvPr/>
+        </p:nvPicPr>
+        <p:blipFill>
           <a:blip r:embed="rId7" cstate="print">
             <a:extLst>
               <a:ext uri="{28A0092B-C50C-407E-A947-70E740481C1C}">
@@ -3611,8 +3622,8 @@
         </p:blipFill>
         <p:spPr bwMode="auto">
           <a:xfrm>
-            <a:off x="450582" y="8234361"/>
-            <a:ext cx="2743200" cy="390525"/>
+            <a:off x="450582" y="8735158"/>
+            <a:ext cx="3695700" cy="523875"/>
           </a:xfrm>
           <a:prstGeom prst="rect">
             <a:avLst/>
@@ -3625,7 +3636,7 @@
       </p:pic>
       <p:pic>
         <p:nvPicPr>
-          <p:cNvPr id="38" name="Picture 37"/>
+          <p:cNvPr id="39" name="Picture 38"/>
           <p:cNvPicPr/>
           <p:nvPr/>
         </p:nvPicPr>
@@ -3644,8 +3655,8 @@
         </p:blipFill>
         <p:spPr bwMode="auto">
           <a:xfrm>
-            <a:off x="450582" y="8735158"/>
-            <a:ext cx="3695700" cy="523875"/>
+            <a:off x="7874189" y="8529636"/>
+            <a:ext cx="1019175" cy="190500"/>
           </a:xfrm>
           <a:prstGeom prst="rect">
             <a:avLst/>
@@ -3658,7 +3669,7 @@
       </p:pic>
       <p:pic>
         <p:nvPicPr>
-          <p:cNvPr id="39" name="Picture 38"/>
+          <p:cNvPr id="40" name="Picture 39"/>
           <p:cNvPicPr/>
           <p:nvPr/>
         </p:nvPicPr>
@@ -3677,8 +3688,8 @@
         </p:blipFill>
         <p:spPr bwMode="auto">
           <a:xfrm>
-            <a:off x="7874189" y="8529636"/>
-            <a:ext cx="1019175" cy="190500"/>
+            <a:off x="7874189" y="8892320"/>
+            <a:ext cx="3352800" cy="209550"/>
           </a:xfrm>
           <a:prstGeom prst="rect">
             <a:avLst/>
@@ -3689,48 +3700,45 @@
           </a:ln>
         </p:spPr>
       </p:pic>
-      <p:pic>
-        <p:nvPicPr>
-          <p:cNvPr id="40" name="Picture 39"/>
-          <p:cNvPicPr/>
+      <p:sp>
+        <p:nvSpPr>
+          <p:cNvPr id="33" name="TextBox 32"/>
+          <p:cNvSpPr txBox="1"/>
           <p:nvPr/>
-        </p:nvPicPr>
-        <p:blipFill>
-          <a:blip r:embed="rId10" cstate="print">
-            <a:extLst>
-              <a:ext uri="{28A0092B-C50C-407E-A947-70E740481C1C}">
-                <a14:useLocalDpi xmlns:a14="http://schemas.microsoft.com/office/drawing/2010/main" val="0"/>
-              </a:ext>
-            </a:extLst>
-          </a:blip>
-          <a:srcRect/>
-          <a:stretch>
-            <a:fillRect/>
-          </a:stretch>
-        </p:blipFill>
-        <p:spPr bwMode="auto">
-          <a:xfrm>
-            <a:off x="7874189" y="8892320"/>
-            <a:ext cx="3352800" cy="209550"/>
+        </p:nvSpPr>
+        <p:spPr>
+          <a:xfrm>
+            <a:off x="389909" y="7304536"/>
+            <a:ext cx="3276600" cy="707886"/>
           </a:xfrm>
           <a:prstGeom prst="rect">
             <a:avLst/>
           </a:prstGeom>
           <a:noFill/>
-          <a:ln>
-            <a:noFill/>
-          </a:ln>
-        </p:spPr>
-      </p:pic>
-      <p:sp>
-        <p:nvSpPr>
-          <p:cNvPr id="33" name="TextBox 32"/>
+        </p:spPr>
+        <p:txBody>
+          <a:bodyPr wrap="square" rtlCol="0">
+            <a:spAutoFit/>
+          </a:bodyPr>
+          <a:lstStyle/>
+          <a:p>
+            <a:r>
+              <a:rPr lang="en-US" sz="4000" dirty="0" smtClean="0"/>
+              <a:t>X-Y Direction</a:t>
+            </a:r>
+            <a:endParaRPr lang="en-US" sz="4000" dirty="0"/>
+          </a:p>
+        </p:txBody>
+      </p:sp>
+      <p:sp>
+        <p:nvSpPr>
+          <p:cNvPr id="42" name="TextBox 41"/>
           <p:cNvSpPr txBox="1"/>
           <p:nvPr/>
         </p:nvSpPr>
         <p:spPr>
           <a:xfrm>
-            <a:off x="389909" y="7304536"/>
+            <a:off x="7874189" y="7278596"/>
             <a:ext cx="3276600" cy="707886"/>
           </a:xfrm>
           <a:prstGeom prst="rect">
@@ -3746,7 +3754,7 @@
           <a:p>
             <a:r>
               <a:rPr lang="en-US" sz="4000" dirty="0" smtClean="0"/>
-              <a:t>X-Y Direction</a:t>
+              <a:t>Z-Y Direction</a:t>
             </a:r>
             <a:endParaRPr lang="en-US" sz="4000" dirty="0"/>
           </a:p>
@@ -3754,14 +3762,14 @@
       </p:sp>
       <p:sp>
         <p:nvSpPr>
-          <p:cNvPr id="42" name="TextBox 41"/>
+          <p:cNvPr id="45" name="TextBox 44"/>
           <p:cNvSpPr txBox="1"/>
           <p:nvPr/>
         </p:nvSpPr>
         <p:spPr>
           <a:xfrm>
-            <a:off x="7874189" y="7278596"/>
-            <a:ext cx="3276600" cy="707886"/>
+            <a:off x="2366153" y="19400504"/>
+            <a:ext cx="10189969" cy="1415772"/>
           </a:xfrm>
           <a:prstGeom prst="rect">
             <a:avLst/>
@@ -3769,36 +3777,6 @@
           <a:noFill/>
         </p:spPr>
         <p:txBody>
-          <a:bodyPr wrap="square" rtlCol="0">
-            <a:spAutoFit/>
-          </a:bodyPr>
-          <a:lstStyle/>
-          <a:p>
-            <a:r>
-              <a:rPr lang="en-US" sz="4000" dirty="0" smtClean="0"/>
-              <a:t>Z-Y Direction</a:t>
-            </a:r>
-            <a:endParaRPr lang="en-US" sz="4000" dirty="0"/>
-          </a:p>
-        </p:txBody>
-      </p:sp>
-      <p:sp>
-        <p:nvSpPr>
-          <p:cNvPr id="45" name="TextBox 44"/>
-          <p:cNvSpPr txBox="1"/>
-          <p:nvPr/>
-        </p:nvSpPr>
-        <p:spPr>
-          <a:xfrm>
-            <a:off x="2366153" y="19400504"/>
-            <a:ext cx="9898094" cy="1415772"/>
-          </a:xfrm>
-          <a:prstGeom prst="rect">
-            <a:avLst/>
-          </a:prstGeom>
-          <a:noFill/>
-        </p:spPr>
-        <p:txBody>
           <a:bodyPr wrap="none" rtlCol="0">
             <a:spAutoFit/>
           </a:bodyPr>
@@ -3806,42 +3784,12 @@
           <a:p>
             <a:r>
               <a:rPr lang="en-US" dirty="0" smtClean="0"/>
-              <a:t>Non-Linear Controller</a:t>
+              <a:t>Control System Design</a:t>
             </a:r>
             <a:endParaRPr lang="en-US" dirty="0"/>
           </a:p>
         </p:txBody>
       </p:sp>
-      <p:pic>
-        <p:nvPicPr>
-          <p:cNvPr id="2" name="Picture 1" descr="Screen Clipping"/>
-          <p:cNvPicPr>
-            <a:picLocks noChangeAspect="1"/>
-          </p:cNvPicPr>
-          <p:nvPr/>
-        </p:nvPicPr>
-        <p:blipFill>
-          <a:blip r:embed="rId11">
-            <a:extLst>
-              <a:ext uri="{28A0092B-C50C-407E-A947-70E740481C1C}">
-                <a14:useLocalDpi xmlns:a14="http://schemas.microsoft.com/office/drawing/2010/main" val="0"/>
-              </a:ext>
-            </a:extLst>
-          </a:blip>
-          <a:stretch>
-            <a:fillRect/>
-          </a:stretch>
-        </p:blipFill>
-        <p:spPr>
-          <a:xfrm>
-            <a:off x="31398439" y="7330771"/>
-            <a:ext cx="10355121" cy="5134692"/>
-          </a:xfrm>
-          <a:prstGeom prst="rect">
-            <a:avLst/>
-          </a:prstGeom>
-        </p:spPr>
-      </p:pic>
       <p:pic>
         <p:nvPicPr>
           <p:cNvPr id="26" name="Picture 4" descr="http://sine.ni.com/images/products/us/crio-9024_l.jpg"/>
@@ -3851,7 +3799,7 @@
           <p:nvPr/>
         </p:nvPicPr>
         <p:blipFill rotWithShape="1">
-          <a:blip r:embed="rId12">
+          <a:blip r:embed="rId10">
             <a:extLst>
               <a:ext uri="{28A0092B-C50C-407E-A947-70E740481C1C}">
                 <a14:useLocalDpi xmlns:a14="http://schemas.microsoft.com/office/drawing/2010/main" val="0"/>
@@ -3890,7 +3838,7 @@
           <p:nvPr/>
         </p:nvPicPr>
         <p:blipFill>
-          <a:blip r:embed="rId13">
+          <a:blip r:embed="rId11">
             <a:extLst>
               <a:ext uri="{28A0092B-C50C-407E-A947-70E740481C1C}">
                 <a14:useLocalDpi xmlns:a14="http://schemas.microsoft.com/office/drawing/2010/main" val="0"/>
@@ -3931,7 +3879,7 @@
           <p:nvPr/>
         </p:nvPicPr>
         <p:blipFill>
-          <a:blip r:embed="rId14">
+          <a:blip r:embed="rId12">
             <a:extLst>
               <a:ext uri="{28A0092B-C50C-407E-A947-70E740481C1C}">
                 <a14:useLocalDpi xmlns:a14="http://schemas.microsoft.com/office/drawing/2010/main" val="0"/>
@@ -3972,7 +3920,7 @@
         <p:spPr>
           <a:xfrm>
             <a:off x="15279224" y="4953000"/>
-            <a:ext cx="13332752" cy="1415772"/>
+            <a:ext cx="13650212" cy="1415772"/>
           </a:xfrm>
           <a:prstGeom prst="rect">
             <a:avLst/>
@@ -3986,10 +3934,10 @@
           <a:lstStyle/>
           <a:p>
             <a:r>
-              <a:rPr lang="en-US" dirty="0" smtClean="0"/>
+              <a:rPr lang="en-US" b="1" dirty="0" smtClean="0"/>
               <a:t>Self Balancing Unicycle Robot</a:t>
             </a:r>
-            <a:endParaRPr lang="en-US" dirty="0"/>
+            <a:endParaRPr lang="en-US" b="1" dirty="0"/>
           </a:p>
         </p:txBody>
       </p:sp>
@@ -4170,7 +4118,7 @@
           <p:nvPr/>
         </p:nvPicPr>
         <p:blipFill>
-          <a:blip r:embed="rId15">
+          <a:blip r:embed="rId13">
             <a:extLst>
               <a:ext uri="{28A0092B-C50C-407E-A947-70E740481C1C}">
                 <a14:useLocalDpi xmlns:a14="http://schemas.microsoft.com/office/drawing/2010/main" val="0"/>
@@ -4200,7 +4148,7 @@
           <p:nvPr/>
         </p:nvPicPr>
         <p:blipFill rotWithShape="1">
-          <a:blip r:embed="rId16">
+          <a:blip r:embed="rId14">
             <a:extLst>
               <a:ext uri="{28A0092B-C50C-407E-A947-70E740481C1C}">
                 <a14:useLocalDpi xmlns:a14="http://schemas.microsoft.com/office/drawing/2010/main" val="0"/>
@@ -4243,7 +4191,7 @@
             <p:nvPr/>
           </p:nvPicPr>
           <p:blipFill rotWithShape="1">
-            <a:blip r:embed="rId17">
+            <a:blip r:embed="rId15">
               <a:extLst>
                 <a:ext uri="{28A0092B-C50C-407E-A947-70E740481C1C}">
                   <a14:useLocalDpi xmlns:a14="http://schemas.microsoft.com/office/drawing/2010/main" val="0"/>
@@ -4451,7 +4399,7 @@
             <p:nvPr/>
           </p:nvPicPr>
           <p:blipFill rotWithShape="1">
-            <a:blip r:embed="rId17">
+            <a:blip r:embed="rId15">
               <a:extLst>
                 <a:ext uri="{28A0092B-C50C-407E-A947-70E740481C1C}">
                   <a14:useLocalDpi xmlns:a14="http://schemas.microsoft.com/office/drawing/2010/main" val="0"/>
@@ -4711,6 +4659,253 @@
           </a:p>
         </p:txBody>
       </p:sp>
+      <p:pic>
+        <p:nvPicPr>
+          <p:cNvPr id="8" name="Picture 2" descr="C:\Users\solorzaa\Documents\GitHub\Archive\Apparel\Logos\RHRT R Gear 2.png"/>
+          <p:cNvPicPr>
+            <a:picLocks noChangeAspect="1" noChangeArrowheads="1"/>
+          </p:cNvPicPr>
+          <p:nvPr/>
+        </p:nvPicPr>
+        <p:blipFill rotWithShape="1">
+          <a:blip r:embed="rId16" cstate="print">
+            <a:extLst>
+              <a:ext uri="{28A0092B-C50C-407E-A947-70E740481C1C}">
+                <a14:useLocalDpi xmlns:a14="http://schemas.microsoft.com/office/drawing/2010/main" val="0"/>
+              </a:ext>
+            </a:extLst>
+          </a:blip>
+          <a:srcRect t="10414"/>
+          <a:stretch/>
+        </p:blipFill>
+        <p:spPr bwMode="auto">
+          <a:xfrm>
+            <a:off x="20193000" y="304800"/>
+            <a:ext cx="2996059" cy="4026109"/>
+          </a:xfrm>
+          <a:prstGeom prst="rect">
+            <a:avLst/>
+          </a:prstGeom>
+          <a:noFill/>
+          <a:extLst>
+            <a:ext uri="{909E8E84-426E-40DD-AFC4-6F175D3DCCD1}">
+              <a14:hiddenFill xmlns:a14="http://schemas.microsoft.com/office/drawing/2010/main">
+                <a:solidFill>
+                  <a:srgbClr val="FFFFFF"/>
+                </a:solidFill>
+              </a14:hiddenFill>
+            </a:ext>
+          </a:extLst>
+        </p:spPr>
+      </p:pic>
+      <p:pic>
+        <p:nvPicPr>
+          <p:cNvPr id="1027" name="Picture 3" descr="C:\Users\solorzaa\Documents\GitHub\ROBO\Documentation\Pitchers\Power Circuit.png"/>
+          <p:cNvPicPr>
+            <a:picLocks noChangeAspect="1" noChangeArrowheads="1"/>
+          </p:cNvPicPr>
+          <p:nvPr/>
+        </p:nvPicPr>
+        <p:blipFill>
+          <a:blip r:embed="rId17">
+            <a:extLst>
+              <a:ext uri="{28A0092B-C50C-407E-A947-70E740481C1C}">
+                <a14:useLocalDpi xmlns:a14="http://schemas.microsoft.com/office/drawing/2010/main" val="0"/>
+              </a:ext>
+            </a:extLst>
+          </a:blip>
+          <a:srcRect/>
+          <a:stretch>
+            <a:fillRect/>
+          </a:stretch>
+        </p:blipFill>
+        <p:spPr bwMode="auto">
+          <a:xfrm>
+            <a:off x="31332869" y="6652302"/>
+            <a:ext cx="10940019" cy="6603462"/>
+          </a:xfrm>
+          <a:prstGeom prst="rect">
+            <a:avLst/>
+          </a:prstGeom>
+          <a:noFill/>
+          <a:extLst>
+            <a:ext uri="{909E8E84-426E-40DD-AFC4-6F175D3DCCD1}">
+              <a14:hiddenFill xmlns:a14="http://schemas.microsoft.com/office/drawing/2010/main">
+                <a:solidFill>
+                  <a:srgbClr val="FFFFFF"/>
+                </a:solidFill>
+              </a14:hiddenFill>
+            </a:ext>
+          </a:extLst>
+        </p:spPr>
+      </p:pic>
+      <p:pic>
+        <p:nvPicPr>
+          <p:cNvPr id="1028" name="Picture 4" descr="C:\Users\solorzaa\Documents\GitHub\ROBO\Documentation\Pitchers\Sim Model 3 white.png"/>
+          <p:cNvPicPr>
+            <a:picLocks noChangeAspect="1" noChangeArrowheads="1"/>
+          </p:cNvPicPr>
+          <p:nvPr/>
+        </p:nvPicPr>
+        <p:blipFill rotWithShape="1">
+          <a:blip r:embed="rId18">
+            <a:extLst>
+              <a:ext uri="{28A0092B-C50C-407E-A947-70E740481C1C}">
+                <a14:useLocalDpi xmlns:a14="http://schemas.microsoft.com/office/drawing/2010/main" val="0"/>
+              </a:ext>
+            </a:extLst>
+          </a:blip>
+          <a:srcRect l="34893" t="4076" r="36718" b="6682"/>
+          <a:stretch/>
+        </p:blipFill>
+        <p:spPr bwMode="auto">
+          <a:xfrm>
+            <a:off x="30018423" y="20688880"/>
+            <a:ext cx="2744769" cy="4914320"/>
+          </a:xfrm>
+          <a:prstGeom prst="rect">
+            <a:avLst/>
+          </a:prstGeom>
+          <a:noFill/>
+          <a:extLst>
+            <a:ext uri="{909E8E84-426E-40DD-AFC4-6F175D3DCCD1}">
+              <a14:hiddenFill xmlns:a14="http://schemas.microsoft.com/office/drawing/2010/main">
+                <a:solidFill>
+                  <a:srgbClr val="FFFFFF"/>
+                </a:solidFill>
+              </a14:hiddenFill>
+            </a:ext>
+          </a:extLst>
+        </p:spPr>
+      </p:pic>
+      <p:pic>
+        <p:nvPicPr>
+          <p:cNvPr id="1029" name="Picture 5"/>
+          <p:cNvPicPr>
+            <a:picLocks noChangeAspect="1" noChangeArrowheads="1"/>
+          </p:cNvPicPr>
+          <p:nvPr/>
+        </p:nvPicPr>
+        <p:blipFill>
+          <a:blip r:embed="rId19">
+            <a:extLst>
+              <a:ext uri="{28A0092B-C50C-407E-A947-70E740481C1C}">
+                <a14:useLocalDpi xmlns:a14="http://schemas.microsoft.com/office/drawing/2010/main" val="0"/>
+              </a:ext>
+            </a:extLst>
+          </a:blip>
+          <a:srcRect/>
+          <a:stretch>
+            <a:fillRect/>
+          </a:stretch>
+        </p:blipFill>
+        <p:spPr bwMode="auto">
+          <a:xfrm>
+            <a:off x="685800" y="20647697"/>
+            <a:ext cx="7697976" cy="5244903"/>
+          </a:xfrm>
+          <a:prstGeom prst="rect">
+            <a:avLst/>
+          </a:prstGeom>
+          <a:noFill/>
+          <a:ln>
+            <a:noFill/>
+          </a:ln>
+          <a:effectLst/>
+          <a:extLst>
+            <a:ext uri="{909E8E84-426E-40DD-AFC4-6F175D3DCCD1}">
+              <a14:hiddenFill xmlns:a14="http://schemas.microsoft.com/office/drawing/2010/main">
+                <a:solidFill>
+                  <a:schemeClr val="accent1"/>
+                </a:solidFill>
+              </a14:hiddenFill>
+            </a:ext>
+            <a:ext uri="{91240B29-F687-4F45-9708-019B960494DF}">
+              <a14:hiddenLine xmlns:a14="http://schemas.microsoft.com/office/drawing/2010/main" w="9525">
+                <a:solidFill>
+                  <a:schemeClr val="tx1"/>
+                </a:solidFill>
+                <a:miter lim="800000"/>
+                <a:headEnd/>
+                <a:tailEnd/>
+              </a14:hiddenLine>
+            </a:ext>
+            <a:ext uri="{AF507438-7753-43E0-B8FC-AC1667EBCBE1}">
+              <a14:hiddenEffects xmlns:a14="http://schemas.microsoft.com/office/drawing/2010/main">
+                <a:effectLst>
+                  <a:outerShdw dist="35921" dir="2700000" algn="ctr" rotWithShape="0">
+                    <a:schemeClr val="bg2"/>
+                  </a:outerShdw>
+                </a:effectLst>
+              </a14:hiddenEffects>
+            </a:ext>
+          </a:extLst>
+        </p:spPr>
+      </p:pic>
+      <p:pic>
+        <p:nvPicPr>
+          <p:cNvPr id="1030" name="Picture 6"/>
+          <p:cNvPicPr>
+            <a:picLocks noChangeAspect="1" noChangeArrowheads="1"/>
+          </p:cNvPicPr>
+          <p:nvPr/>
+        </p:nvPicPr>
+        <p:blipFill>
+          <a:blip r:embed="rId20">
+            <a:extLst>
+              <a:ext uri="{28A0092B-C50C-407E-A947-70E740481C1C}">
+                <a14:useLocalDpi xmlns:a14="http://schemas.microsoft.com/office/drawing/2010/main" val="0"/>
+              </a:ext>
+            </a:extLst>
+          </a:blip>
+          <a:srcRect/>
+          <a:stretch>
+            <a:fillRect/>
+          </a:stretch>
+        </p:blipFill>
+        <p:spPr bwMode="auto">
+          <a:xfrm>
+            <a:off x="4951113" y="26212800"/>
+            <a:ext cx="8917287" cy="6185866"/>
+          </a:xfrm>
+          <a:prstGeom prst="rect">
+            <a:avLst/>
+          </a:prstGeom>
+          <a:noFill/>
+          <a:ln>
+            <a:noFill/>
+          </a:ln>
+          <a:effectLst/>
+          <a:extLst>
+            <a:ext uri="{909E8E84-426E-40DD-AFC4-6F175D3DCCD1}">
+              <a14:hiddenFill xmlns:a14="http://schemas.microsoft.com/office/drawing/2010/main">
+                <a:solidFill>
+                  <a:schemeClr val="accent1"/>
+                </a:solidFill>
+              </a14:hiddenFill>
+            </a:ext>
+            <a:ext uri="{91240B29-F687-4F45-9708-019B960494DF}">
+              <a14:hiddenLine xmlns:a14="http://schemas.microsoft.com/office/drawing/2010/main" w="9525">
+                <a:solidFill>
+                  <a:schemeClr val="tx1"/>
+                </a:solidFill>
+                <a:miter lim="800000"/>
+                <a:headEnd/>
+                <a:tailEnd/>
+              </a14:hiddenLine>
+            </a:ext>
+            <a:ext uri="{AF507438-7753-43E0-B8FC-AC1667EBCBE1}">
+              <a14:hiddenEffects xmlns:a14="http://schemas.microsoft.com/office/drawing/2010/main">
+                <a:effectLst>
+                  <a:outerShdw dist="35921" dir="2700000" algn="ctr" rotWithShape="0">
+                    <a:schemeClr val="bg2"/>
+                  </a:outerShdw>
+                </a:effectLst>
+              </a14:hiddenEffects>
+            </a:ext>
+          </a:extLst>
+        </p:spPr>
+      </p:pic>
     </p:spTree>
     <p:extLst>
       <p:ext uri="{BB962C8B-B14F-4D97-AF65-F5344CB8AC3E}">

--- a/Design Expo/Poster.pptx
+++ b/Design Expo/Poster.pptx
@@ -288,7 +288,7 @@
           <a:p>
             <a:fld id="{9283E63E-09FA-41D7-AF21-C61317062C8C}" type="datetimeFigureOut">
               <a:rPr lang="en-US" smtClean="0"/>
-              <a:t>2/7/2013</a:t>
+              <a:t>2/8/2013</a:t>
             </a:fld>
             <a:endParaRPr lang="en-US"/>
           </a:p>
@@ -458,7 +458,7 @@
           <a:p>
             <a:fld id="{9283E63E-09FA-41D7-AF21-C61317062C8C}" type="datetimeFigureOut">
               <a:rPr lang="en-US" smtClean="0"/>
-              <a:t>2/7/2013</a:t>
+              <a:t>2/8/2013</a:t>
             </a:fld>
             <a:endParaRPr lang="en-US"/>
           </a:p>
@@ -638,7 +638,7 @@
           <a:p>
             <a:fld id="{9283E63E-09FA-41D7-AF21-C61317062C8C}" type="datetimeFigureOut">
               <a:rPr lang="en-US" smtClean="0"/>
-              <a:t>2/7/2013</a:t>
+              <a:t>2/8/2013</a:t>
             </a:fld>
             <a:endParaRPr lang="en-US"/>
           </a:p>
@@ -808,7 +808,7 @@
           <a:p>
             <a:fld id="{9283E63E-09FA-41D7-AF21-C61317062C8C}" type="datetimeFigureOut">
               <a:rPr lang="en-US" smtClean="0"/>
-              <a:t>2/7/2013</a:t>
+              <a:t>2/8/2013</a:t>
             </a:fld>
             <a:endParaRPr lang="en-US"/>
           </a:p>
@@ -1054,7 +1054,7 @@
           <a:p>
             <a:fld id="{9283E63E-09FA-41D7-AF21-C61317062C8C}" type="datetimeFigureOut">
               <a:rPr lang="en-US" smtClean="0"/>
-              <a:t>2/7/2013</a:t>
+              <a:t>2/8/2013</a:t>
             </a:fld>
             <a:endParaRPr lang="en-US"/>
           </a:p>
@@ -1342,7 +1342,7 @@
           <a:p>
             <a:fld id="{9283E63E-09FA-41D7-AF21-C61317062C8C}" type="datetimeFigureOut">
               <a:rPr lang="en-US" smtClean="0"/>
-              <a:t>2/7/2013</a:t>
+              <a:t>2/8/2013</a:t>
             </a:fld>
             <a:endParaRPr lang="en-US"/>
           </a:p>
@@ -1769,7 +1769,7 @@
           <a:p>
             <a:fld id="{9283E63E-09FA-41D7-AF21-C61317062C8C}" type="datetimeFigureOut">
               <a:rPr lang="en-US" smtClean="0"/>
-              <a:t>2/7/2013</a:t>
+              <a:t>2/8/2013</a:t>
             </a:fld>
             <a:endParaRPr lang="en-US"/>
           </a:p>
@@ -1887,7 +1887,7 @@
           <a:p>
             <a:fld id="{9283E63E-09FA-41D7-AF21-C61317062C8C}" type="datetimeFigureOut">
               <a:rPr lang="en-US" smtClean="0"/>
-              <a:t>2/7/2013</a:t>
+              <a:t>2/8/2013</a:t>
             </a:fld>
             <a:endParaRPr lang="en-US"/>
           </a:p>
@@ -1982,7 +1982,7 @@
           <a:p>
             <a:fld id="{9283E63E-09FA-41D7-AF21-C61317062C8C}" type="datetimeFigureOut">
               <a:rPr lang="en-US" smtClean="0"/>
-              <a:t>2/7/2013</a:t>
+              <a:t>2/8/2013</a:t>
             </a:fld>
             <a:endParaRPr lang="en-US"/>
           </a:p>
@@ -2259,7 +2259,7 @@
           <a:p>
             <a:fld id="{9283E63E-09FA-41D7-AF21-C61317062C8C}" type="datetimeFigureOut">
               <a:rPr lang="en-US" smtClean="0"/>
-              <a:t>2/7/2013</a:t>
+              <a:t>2/8/2013</a:t>
             </a:fld>
             <a:endParaRPr lang="en-US"/>
           </a:p>
@@ -2512,7 +2512,7 @@
           <a:p>
             <a:fld id="{9283E63E-09FA-41D7-AF21-C61317062C8C}" type="datetimeFigureOut">
               <a:rPr lang="en-US" smtClean="0"/>
-              <a:t>2/7/2013</a:t>
+              <a:t>2/8/2013</a:t>
             </a:fld>
             <a:endParaRPr lang="en-US"/>
           </a:p>
@@ -2725,7 +2725,7 @@
           <a:p>
             <a:fld id="{9283E63E-09FA-41D7-AF21-C61317062C8C}" type="datetimeFigureOut">
               <a:rPr lang="en-US" smtClean="0"/>
-              <a:t>2/7/2013</a:t>
+              <a:t>2/8/2013</a:t>
             </a:fld>
             <a:endParaRPr lang="en-US"/>
           </a:p>
@@ -3100,36 +3100,6 @@
           <a:chExt cx="0" cy="0"/>
         </a:xfrm>
       </p:grpSpPr>
-      <p:sp>
-        <p:nvSpPr>
-          <p:cNvPr id="5" name="TextBox 4"/>
-          <p:cNvSpPr txBox="1"/>
-          <p:nvPr/>
-        </p:nvSpPr>
-        <p:spPr>
-          <a:xfrm>
-            <a:off x="32997649" y="5289828"/>
-            <a:ext cx="7397025" cy="1415772"/>
-          </a:xfrm>
-          <a:prstGeom prst="rect">
-            <a:avLst/>
-          </a:prstGeom>
-          <a:noFill/>
-        </p:spPr>
-        <p:txBody>
-          <a:bodyPr wrap="none" rtlCol="0">
-            <a:spAutoFit/>
-          </a:bodyPr>
-          <a:lstStyle/>
-          <a:p>
-            <a:r>
-              <a:rPr lang="en-US" dirty="0" smtClean="0"/>
-              <a:t>Electrical design</a:t>
-            </a:r>
-            <a:endParaRPr lang="en-US" dirty="0"/>
-          </a:p>
-        </p:txBody>
-      </p:sp>
       <p:pic>
         <p:nvPicPr>
           <p:cNvPr id="1026" name="Picture 2"/>
@@ -3151,7 +3121,7 @@
         </p:blipFill>
         <p:spPr bwMode="auto">
           <a:xfrm>
-            <a:off x="18897600" y="13818935"/>
+            <a:off x="18897600" y="15316200"/>
             <a:ext cx="5866558" cy="10388696"/>
           </a:xfrm>
           <a:prstGeom prst="rect">
@@ -3214,7 +3184,7 @@
         </p:blipFill>
         <p:spPr>
           <a:xfrm>
-            <a:off x="35567405" y="23130744"/>
+            <a:off x="35570718" y="8514340"/>
             <a:ext cx="6781800" cy="4925034"/>
           </a:xfrm>
           <a:prstGeom prst="rect">
@@ -3441,7 +3411,7 @@
         </p:nvCxnSpPr>
         <p:spPr>
           <a:xfrm>
-            <a:off x="29260800" y="18288000"/>
+            <a:off x="29336158" y="20816276"/>
             <a:ext cx="14630400" cy="0"/>
           </a:xfrm>
           <a:prstGeom prst="line">
@@ -3511,7 +3481,7 @@
         </p:nvCxnSpPr>
         <p:spPr>
           <a:xfrm>
-            <a:off x="14705758" y="24397741"/>
+            <a:off x="14630400" y="28803600"/>
             <a:ext cx="14630400" cy="0"/>
           </a:xfrm>
           <a:prstGeom prst="line">
@@ -3790,142 +3760,105 @@
           </a:p>
         </p:txBody>
       </p:sp>
-      <p:pic>
-        <p:nvPicPr>
-          <p:cNvPr id="26" name="Picture 4" descr="http://sine.ni.com/images/products/us/crio-9024_l.jpg"/>
-          <p:cNvPicPr>
-            <a:picLocks noChangeAspect="1" noChangeArrowheads="1"/>
-          </p:cNvPicPr>
+      <p:sp>
+        <p:nvSpPr>
+          <p:cNvPr id="3" name="TextBox 2"/>
+          <p:cNvSpPr txBox="1"/>
           <p:nvPr/>
-        </p:nvPicPr>
-        <p:blipFill rotWithShape="1">
-          <a:blip r:embed="rId10">
-            <a:extLst>
-              <a:ext uri="{28A0092B-C50C-407E-A947-70E740481C1C}">
-                <a14:useLocalDpi xmlns:a14="http://schemas.microsoft.com/office/drawing/2010/main" val="0"/>
-              </a:ext>
-            </a:extLst>
-          </a:blip>
-          <a:srcRect l="13223" t="4817" r="16365" b="7120"/>
-          <a:stretch/>
-        </p:blipFill>
-        <p:spPr bwMode="auto">
-          <a:xfrm>
-            <a:off x="31772592" y="13613007"/>
-            <a:ext cx="1981200" cy="1802613"/>
+        </p:nvSpPr>
+        <p:spPr>
+          <a:xfrm>
+            <a:off x="15279224" y="4953000"/>
+            <a:ext cx="13650212" cy="1415772"/>
           </a:xfrm>
           <a:prstGeom prst="rect">
             <a:avLst/>
           </a:prstGeom>
           <a:noFill/>
-          <a:extLst>
-            <a:ext uri="{909E8E84-426E-40DD-AFC4-6F175D3DCCD1}">
-              <a14:hiddenFill xmlns:a14="http://schemas.microsoft.com/office/drawing/2010/main">
-                <a:solidFill>
-                  <a:srgbClr val="FFFFFF"/>
-                </a:solidFill>
-              </a14:hiddenFill>
-            </a:ext>
-          </a:extLst>
-        </p:spPr>
-      </p:pic>
-      <p:pic>
-        <p:nvPicPr>
-          <p:cNvPr id="29" name="Picture 10" descr="http://robotbox.net/sites/default/files/imagecache/normal/part_pics/roboteq-motor-controler/roboteq.jpg"/>
-          <p:cNvPicPr>
-            <a:picLocks noChangeAspect="1" noChangeArrowheads="1"/>
-          </p:cNvPicPr>
+        </p:spPr>
+        <p:txBody>
+          <a:bodyPr wrap="none" rtlCol="0">
+            <a:spAutoFit/>
+          </a:bodyPr>
+          <a:lstStyle/>
+          <a:p>
+            <a:r>
+              <a:rPr lang="en-US" b="1" dirty="0" smtClean="0"/>
+              <a:t>Self Balancing Unicycle Robot</a:t>
+            </a:r>
+            <a:endParaRPr lang="en-US" b="1" dirty="0"/>
+          </a:p>
+        </p:txBody>
+      </p:sp>
+      <p:sp>
+        <p:nvSpPr>
+          <p:cNvPr id="4" name="TextBox 3"/>
+          <p:cNvSpPr txBox="1"/>
           <p:nvPr/>
-        </p:nvPicPr>
-        <p:blipFill>
-          <a:blip r:embed="rId11">
-            <a:extLst>
-              <a:ext uri="{28A0092B-C50C-407E-A947-70E740481C1C}">
-                <a14:useLocalDpi xmlns:a14="http://schemas.microsoft.com/office/drawing/2010/main" val="0"/>
-              </a:ext>
-            </a:extLst>
-          </a:blip>
-          <a:srcRect/>
-          <a:stretch>
-            <a:fillRect/>
-          </a:stretch>
-        </p:blipFill>
-        <p:spPr bwMode="auto">
-          <a:xfrm>
-            <a:off x="35294917" y="13741653"/>
-            <a:ext cx="2802488" cy="1474109"/>
+        </p:nvSpPr>
+        <p:spPr>
+          <a:xfrm>
+            <a:off x="15279224" y="29305733"/>
+            <a:ext cx="5038174" cy="3477875"/>
           </a:xfrm>
           <a:prstGeom prst="rect">
             <a:avLst/>
           </a:prstGeom>
           <a:noFill/>
-          <a:extLst>
-            <a:ext uri="{909E8E84-426E-40DD-AFC4-6F175D3DCCD1}">
-              <a14:hiddenFill xmlns:a14="http://schemas.microsoft.com/office/drawing/2010/main">
-                <a:solidFill>
-                  <a:srgbClr val="FFFFFF"/>
-                </a:solidFill>
-              </a14:hiddenFill>
-            </a:ext>
-          </a:extLst>
-        </p:spPr>
-      </p:pic>
-      <p:pic>
-        <p:nvPicPr>
-          <p:cNvPr id="30" name="Picture 8" descr="http://www.seattlerobotics.org/encoder/200610/article3/IMU%20Odometry,%20by%20David%20Anderson_files/3dmgx1.jpg"/>
-          <p:cNvPicPr>
-            <a:picLocks noChangeAspect="1" noChangeArrowheads="1"/>
-          </p:cNvPicPr>
+        </p:spPr>
+        <p:txBody>
+          <a:bodyPr wrap="none" rtlCol="0">
+            <a:spAutoFit/>
+          </a:bodyPr>
+          <a:lstStyle/>
+          <a:p>
+            <a:r>
+              <a:rPr lang="en-US" sz="4400" b="1" u="sng" dirty="0" smtClean="0"/>
+              <a:t>Team Members:</a:t>
+            </a:r>
+          </a:p>
+          <a:p>
+            <a:r>
+              <a:rPr lang="en-US" sz="4400" dirty="0" smtClean="0"/>
+              <a:t>Kevin Collins</a:t>
+            </a:r>
+          </a:p>
+          <a:p>
+            <a:r>
+              <a:rPr lang="en-US" sz="4400" dirty="0" smtClean="0"/>
+              <a:t>Spencer Carver</a:t>
+            </a:r>
+          </a:p>
+          <a:p>
+            <a:r>
+              <a:rPr lang="en-US" sz="4400" dirty="0" smtClean="0"/>
+              <a:t>Ander Solorzano</a:t>
+            </a:r>
+          </a:p>
+          <a:p>
+            <a:r>
+              <a:rPr lang="en-US" sz="4400" dirty="0" smtClean="0"/>
+              <a:t>Ruffin White-Magner</a:t>
+            </a:r>
+            <a:endParaRPr lang="en-US" sz="4400" dirty="0"/>
+          </a:p>
+        </p:txBody>
+      </p:sp>
+      <p:sp>
+        <p:nvSpPr>
+          <p:cNvPr id="46" name="TextBox 45"/>
+          <p:cNvSpPr txBox="1"/>
           <p:nvPr/>
-        </p:nvPicPr>
-        <p:blipFill>
-          <a:blip r:embed="rId12">
-            <a:extLst>
-              <a:ext uri="{28A0092B-C50C-407E-A947-70E740481C1C}">
-                <a14:useLocalDpi xmlns:a14="http://schemas.microsoft.com/office/drawing/2010/main" val="0"/>
-              </a:ext>
-            </a:extLst>
-          </a:blip>
-          <a:srcRect/>
-          <a:stretch>
-            <a:fillRect/>
-          </a:stretch>
-        </p:blipFill>
-        <p:spPr bwMode="auto">
-          <a:xfrm>
-            <a:off x="39741485" y="13573404"/>
-            <a:ext cx="1676400" cy="1271534"/>
+        </p:nvSpPr>
+        <p:spPr>
+          <a:xfrm>
+            <a:off x="18420229" y="11839992"/>
+            <a:ext cx="7201459" cy="1415772"/>
           </a:xfrm>
           <a:prstGeom prst="rect">
             <a:avLst/>
           </a:prstGeom>
           <a:noFill/>
-          <a:extLst>
-            <a:ext uri="{909E8E84-426E-40DD-AFC4-6F175D3DCCD1}">
-              <a14:hiddenFill xmlns:a14="http://schemas.microsoft.com/office/drawing/2010/main">
-                <a:solidFill>
-                  <a:srgbClr val="FFFFFF"/>
-                </a:solidFill>
-              </a14:hiddenFill>
-            </a:ext>
-          </a:extLst>
-        </p:spPr>
-      </p:pic>
-      <p:sp>
-        <p:nvSpPr>
-          <p:cNvPr id="3" name="TextBox 2"/>
-          <p:cNvSpPr txBox="1"/>
-          <p:nvPr/>
-        </p:nvSpPr>
-        <p:spPr>
-          <a:xfrm>
-            <a:off x="15279224" y="4953000"/>
-            <a:ext cx="13650212" cy="1415772"/>
-          </a:xfrm>
-          <a:prstGeom prst="rect">
-            <a:avLst/>
-          </a:prstGeom>
-          <a:noFill/>
         </p:spPr>
         <p:txBody>
           <a:bodyPr wrap="none" rtlCol="0">
@@ -3934,144 +3867,6 @@
           <a:lstStyle/>
           <a:p>
             <a:r>
-              <a:rPr lang="en-US" b="1" dirty="0" smtClean="0"/>
-              <a:t>Self Balancing Unicycle Robot</a:t>
-            </a:r>
-            <a:endParaRPr lang="en-US" b="1" dirty="0"/>
-          </a:p>
-        </p:txBody>
-      </p:sp>
-      <p:sp>
-        <p:nvSpPr>
-          <p:cNvPr id="4" name="TextBox 3"/>
-          <p:cNvSpPr txBox="1"/>
-          <p:nvPr/>
-        </p:nvSpPr>
-        <p:spPr>
-          <a:xfrm>
-            <a:off x="15279224" y="6368772"/>
-            <a:ext cx="5038174" cy="3477875"/>
-          </a:xfrm>
-          <a:prstGeom prst="rect">
-            <a:avLst/>
-          </a:prstGeom>
-          <a:noFill/>
-        </p:spPr>
-        <p:txBody>
-          <a:bodyPr wrap="none" rtlCol="0">
-            <a:spAutoFit/>
-          </a:bodyPr>
-          <a:lstStyle/>
-          <a:p>
-            <a:r>
-              <a:rPr lang="en-US" sz="4400" b="1" u="sng" dirty="0" smtClean="0"/>
-              <a:t>Team Members:</a:t>
-            </a:r>
-          </a:p>
-          <a:p>
-            <a:r>
-              <a:rPr lang="en-US" sz="4400" dirty="0" smtClean="0"/>
-              <a:t>Kevin Collins</a:t>
-            </a:r>
-          </a:p>
-          <a:p>
-            <a:r>
-              <a:rPr lang="en-US" sz="4400" dirty="0" smtClean="0"/>
-              <a:t>Spencer Carver</a:t>
-            </a:r>
-          </a:p>
-          <a:p>
-            <a:r>
-              <a:rPr lang="en-US" sz="4400" dirty="0" smtClean="0"/>
-              <a:t>Ander Solorzano</a:t>
-            </a:r>
-          </a:p>
-          <a:p>
-            <a:r>
-              <a:rPr lang="en-US" sz="4400" dirty="0" smtClean="0"/>
-              <a:t>Ruffin White-Magner</a:t>
-            </a:r>
-            <a:endParaRPr lang="en-US" sz="4400" dirty="0"/>
-          </a:p>
-        </p:txBody>
-      </p:sp>
-      <p:sp>
-        <p:nvSpPr>
-          <p:cNvPr id="44" name="TextBox 43"/>
-          <p:cNvSpPr txBox="1"/>
-          <p:nvPr/>
-        </p:nvSpPr>
-        <p:spPr>
-          <a:xfrm>
-            <a:off x="22631400" y="6336744"/>
-            <a:ext cx="5980576" cy="3477875"/>
-          </a:xfrm>
-          <a:prstGeom prst="rect">
-            <a:avLst/>
-          </a:prstGeom>
-          <a:noFill/>
-        </p:spPr>
-        <p:txBody>
-          <a:bodyPr wrap="square" rtlCol="0">
-            <a:spAutoFit/>
-          </a:bodyPr>
-          <a:lstStyle/>
-          <a:p>
-            <a:r>
-              <a:rPr lang="en-US" sz="4400" b="1" u="sng" dirty="0" smtClean="0"/>
-              <a:t>Client:</a:t>
-            </a:r>
-            <a:endParaRPr lang="en-US" sz="4400" dirty="0" smtClean="0"/>
-          </a:p>
-          <a:p>
-            <a:r>
-              <a:rPr lang="en-US" sz="4400" dirty="0" smtClean="0"/>
-              <a:t>Andy Chang</a:t>
-            </a:r>
-          </a:p>
-          <a:p>
-            <a:r>
-              <a:rPr lang="en-US" sz="4400" dirty="0" smtClean="0"/>
-              <a:t>(National Instruments)</a:t>
-            </a:r>
-          </a:p>
-          <a:p>
-            <a:r>
-              <a:rPr lang="en-US" sz="4400" b="1" u="sng" dirty="0" smtClean="0"/>
-              <a:t>Supervisor:</a:t>
-            </a:r>
-          </a:p>
-          <a:p>
-            <a:r>
-              <a:rPr lang="en-US" sz="4400" dirty="0" smtClean="0"/>
-              <a:t>Dr. Robert Throne</a:t>
-            </a:r>
-          </a:p>
-        </p:txBody>
-      </p:sp>
-      <p:sp>
-        <p:nvSpPr>
-          <p:cNvPr id="46" name="TextBox 45"/>
-          <p:cNvSpPr txBox="1"/>
-          <p:nvPr/>
-        </p:nvSpPr>
-        <p:spPr>
-          <a:xfrm>
-            <a:off x="18420229" y="11839992"/>
-            <a:ext cx="7201459" cy="1415772"/>
-          </a:xfrm>
-          <a:prstGeom prst="rect">
-            <a:avLst/>
-          </a:prstGeom>
-          <a:noFill/>
-        </p:spPr>
-        <p:txBody>
-          <a:bodyPr wrap="none" rtlCol="0">
-            <a:spAutoFit/>
-          </a:bodyPr>
-          <a:lstStyle/>
-          <a:p>
-            <a:r>
               <a:rPr lang="en-US" dirty="0" smtClean="0"/>
               <a:t>Unicycle Design</a:t>
             </a:r>
@@ -4087,7 +3882,7 @@
         </p:nvSpPr>
         <p:spPr>
           <a:xfrm>
-            <a:off x="33998934" y="19400504"/>
+            <a:off x="34002247" y="4784100"/>
             <a:ext cx="4959371" cy="1415772"/>
           </a:xfrm>
           <a:prstGeom prst="rect">
@@ -4118,7 +3913,7 @@
           <p:nvPr/>
         </p:nvPicPr>
         <p:blipFill>
-          <a:blip r:embed="rId13">
+          <a:blip r:embed="rId10">
             <a:extLst>
               <a:ext uri="{28A0092B-C50C-407E-A947-70E740481C1C}">
                 <a14:useLocalDpi xmlns:a14="http://schemas.microsoft.com/office/drawing/2010/main" val="0"/>
@@ -4148,7 +3943,7 @@
           <p:nvPr/>
         </p:nvPicPr>
         <p:blipFill rotWithShape="1">
-          <a:blip r:embed="rId14">
+          <a:blip r:embed="rId11">
             <a:extLst>
               <a:ext uri="{28A0092B-C50C-407E-A947-70E740481C1C}">
                 <a14:useLocalDpi xmlns:a14="http://schemas.microsoft.com/office/drawing/2010/main" val="0"/>
@@ -4191,7 +3986,7 @@
             <p:nvPr/>
           </p:nvPicPr>
           <p:blipFill rotWithShape="1">
-            <a:blip r:embed="rId15">
+            <a:blip r:embed="rId12">
               <a:extLst>
                 <a:ext uri="{28A0092B-C50C-407E-A947-70E740481C1C}">
                   <a14:useLocalDpi xmlns:a14="http://schemas.microsoft.com/office/drawing/2010/main" val="0"/>
@@ -4399,7 +4194,7 @@
             <p:nvPr/>
           </p:nvPicPr>
           <p:blipFill rotWithShape="1">
-            <a:blip r:embed="rId15">
+            <a:blip r:embed="rId12">
               <a:extLst>
                 <a:ext uri="{28A0092B-C50C-407E-A947-70E740481C1C}">
                   <a14:useLocalDpi xmlns:a14="http://schemas.microsoft.com/office/drawing/2010/main" val="0"/>
@@ -4668,7 +4463,7 @@
           <p:nvPr/>
         </p:nvPicPr>
         <p:blipFill rotWithShape="1">
-          <a:blip r:embed="rId16" cstate="print">
+          <a:blip r:embed="rId13" cstate="print">
             <a:extLst>
               <a:ext uri="{28A0092B-C50C-407E-A947-70E740481C1C}">
                 <a14:useLocalDpi xmlns:a14="http://schemas.microsoft.com/office/drawing/2010/main" val="0"/>
@@ -4682,6 +4477,157 @@
           <a:xfrm>
             <a:off x="20193000" y="304800"/>
             <a:ext cx="2996059" cy="4026109"/>
+          </a:xfrm>
+          <a:prstGeom prst="rect">
+            <a:avLst/>
+          </a:prstGeom>
+          <a:noFill/>
+          <a:extLst>
+            <a:ext uri="{909E8E84-426E-40DD-AFC4-6F175D3DCCD1}">
+              <a14:hiddenFill xmlns:a14="http://schemas.microsoft.com/office/drawing/2010/main">
+                <a:solidFill>
+                  <a:srgbClr val="FFFFFF"/>
+                </a:solidFill>
+              </a14:hiddenFill>
+            </a:ext>
+          </a:extLst>
+        </p:spPr>
+      </p:pic>
+      <p:sp>
+        <p:nvSpPr>
+          <p:cNvPr id="5" name="TextBox 4"/>
+          <p:cNvSpPr txBox="1"/>
+          <p:nvPr/>
+        </p:nvSpPr>
+        <p:spPr>
+          <a:xfrm>
+            <a:off x="33320593" y="21368028"/>
+            <a:ext cx="7882414" cy="1415772"/>
+          </a:xfrm>
+          <a:prstGeom prst="rect">
+            <a:avLst/>
+          </a:prstGeom>
+          <a:noFill/>
+        </p:spPr>
+        <p:txBody>
+          <a:bodyPr wrap="none" rtlCol="0">
+            <a:spAutoFit/>
+          </a:bodyPr>
+          <a:lstStyle/>
+          <a:p>
+            <a:r>
+              <a:rPr lang="en-US" dirty="0" smtClean="0"/>
+              <a:t>System Assembly</a:t>
+            </a:r>
+            <a:endParaRPr lang="en-US" dirty="0"/>
+          </a:p>
+        </p:txBody>
+      </p:sp>
+      <p:pic>
+        <p:nvPicPr>
+          <p:cNvPr id="26" name="Picture 4" descr="http://sine.ni.com/images/products/us/crio-9024_l.jpg"/>
+          <p:cNvPicPr>
+            <a:picLocks noChangeAspect="1" noChangeArrowheads="1"/>
+          </p:cNvPicPr>
+          <p:nvPr/>
+        </p:nvPicPr>
+        <p:blipFill rotWithShape="1">
+          <a:blip r:embed="rId14">
+            <a:extLst>
+              <a:ext uri="{28A0092B-C50C-407E-A947-70E740481C1C}">
+                <a14:useLocalDpi xmlns:a14="http://schemas.microsoft.com/office/drawing/2010/main" val="0"/>
+              </a:ext>
+            </a:extLst>
+          </a:blip>
+          <a:srcRect l="13223" t="4817" r="16365" b="7120"/>
+          <a:stretch/>
+        </p:blipFill>
+        <p:spPr bwMode="auto">
+          <a:xfrm>
+            <a:off x="29711513" y="30094899"/>
+            <a:ext cx="1981200" cy="1802613"/>
+          </a:xfrm>
+          <a:prstGeom prst="rect">
+            <a:avLst/>
+          </a:prstGeom>
+          <a:noFill/>
+          <a:extLst>
+            <a:ext uri="{909E8E84-426E-40DD-AFC4-6F175D3DCCD1}">
+              <a14:hiddenFill xmlns:a14="http://schemas.microsoft.com/office/drawing/2010/main">
+                <a:solidFill>
+                  <a:srgbClr val="FFFFFF"/>
+                </a:solidFill>
+              </a14:hiddenFill>
+            </a:ext>
+          </a:extLst>
+        </p:spPr>
+      </p:pic>
+      <p:pic>
+        <p:nvPicPr>
+          <p:cNvPr id="29" name="Picture 10" descr="http://robotbox.net/sites/default/files/imagecache/normal/part_pics/roboteq-motor-controler/roboteq.jpg"/>
+          <p:cNvPicPr>
+            <a:picLocks noChangeAspect="1" noChangeArrowheads="1"/>
+          </p:cNvPicPr>
+          <p:nvPr/>
+        </p:nvPicPr>
+        <p:blipFill>
+          <a:blip r:embed="rId15">
+            <a:extLst>
+              <a:ext uri="{28A0092B-C50C-407E-A947-70E740481C1C}">
+                <a14:useLocalDpi xmlns:a14="http://schemas.microsoft.com/office/drawing/2010/main" val="0"/>
+              </a:ext>
+            </a:extLst>
+          </a:blip>
+          <a:srcRect/>
+          <a:stretch>
+            <a:fillRect/>
+          </a:stretch>
+        </p:blipFill>
+        <p:spPr bwMode="auto">
+          <a:xfrm>
+            <a:off x="32249512" y="30259151"/>
+            <a:ext cx="2802488" cy="1474109"/>
+          </a:xfrm>
+          <a:prstGeom prst="rect">
+            <a:avLst/>
+          </a:prstGeom>
+          <a:noFill/>
+          <a:extLst>
+            <a:ext uri="{909E8E84-426E-40DD-AFC4-6F175D3DCCD1}">
+              <a14:hiddenFill xmlns:a14="http://schemas.microsoft.com/office/drawing/2010/main">
+                <a:solidFill>
+                  <a:srgbClr val="FFFFFF"/>
+                </a:solidFill>
+              </a14:hiddenFill>
+            </a:ext>
+          </a:extLst>
+        </p:spPr>
+      </p:pic>
+      <p:pic>
+        <p:nvPicPr>
+          <p:cNvPr id="30" name="Picture 8" descr="http://www.seattlerobotics.org/encoder/200610/article3/IMU%20Odometry,%20by%20David%20Anderson_files/3dmgx1.jpg"/>
+          <p:cNvPicPr>
+            <a:picLocks noChangeAspect="1" noChangeArrowheads="1"/>
+          </p:cNvPicPr>
+          <p:nvPr/>
+        </p:nvPicPr>
+        <p:blipFill>
+          <a:blip r:embed="rId16">
+            <a:extLst>
+              <a:ext uri="{28A0092B-C50C-407E-A947-70E740481C1C}">
+                <a14:useLocalDpi xmlns:a14="http://schemas.microsoft.com/office/drawing/2010/main" val="0"/>
+              </a:ext>
+            </a:extLst>
+          </a:blip>
+          <a:srcRect/>
+          <a:stretch>
+            <a:fillRect/>
+          </a:stretch>
+        </p:blipFill>
+        <p:spPr bwMode="auto">
+          <a:xfrm>
+            <a:off x="35433000" y="30360438"/>
+            <a:ext cx="1676400" cy="1271534"/>
           </a:xfrm>
           <a:prstGeom prst="rect">
             <a:avLst/>
@@ -4721,8 +4667,8 @@
         </p:blipFill>
         <p:spPr bwMode="auto">
           <a:xfrm>
-            <a:off x="31332869" y="6652302"/>
-            <a:ext cx="10940019" cy="6603462"/>
+            <a:off x="30702113" y="22783800"/>
+            <a:ext cx="12036147" cy="7265092"/>
           </a:xfrm>
           <a:prstGeom prst="rect">
             <a:avLst/>
@@ -4760,7 +4706,7 @@
         </p:blipFill>
         <p:spPr bwMode="auto">
           <a:xfrm>
-            <a:off x="30018423" y="20688880"/>
+            <a:off x="30021736" y="6072476"/>
             <a:ext cx="2744769" cy="4914320"/>
           </a:xfrm>
           <a:prstGeom prst="rect">
@@ -4906,6 +4852,203 @@
           </a:extLst>
         </p:spPr>
       </p:pic>
+      <p:sp>
+        <p:nvSpPr>
+          <p:cNvPr id="56" name="TextBox 55"/>
+          <p:cNvSpPr txBox="1"/>
+          <p:nvPr/>
+        </p:nvSpPr>
+        <p:spPr>
+          <a:xfrm>
+            <a:off x="22948860" y="29257269"/>
+            <a:ext cx="5980576" cy="3477875"/>
+          </a:xfrm>
+          <a:prstGeom prst="rect">
+            <a:avLst/>
+          </a:prstGeom>
+          <a:noFill/>
+        </p:spPr>
+        <p:txBody>
+          <a:bodyPr wrap="square" rtlCol="0">
+            <a:spAutoFit/>
+          </a:bodyPr>
+          <a:lstStyle/>
+          <a:p>
+            <a:r>
+              <a:rPr lang="en-US" sz="4400" b="1" u="sng" dirty="0" smtClean="0"/>
+              <a:t>Client:</a:t>
+            </a:r>
+            <a:endParaRPr lang="en-US" sz="4400" dirty="0" smtClean="0"/>
+          </a:p>
+          <a:p>
+            <a:r>
+              <a:rPr lang="en-US" sz="4400" dirty="0" smtClean="0"/>
+              <a:t>Andy Chang</a:t>
+            </a:r>
+          </a:p>
+          <a:p>
+            <a:r>
+              <a:rPr lang="en-US" sz="4400" dirty="0" smtClean="0"/>
+              <a:t>(National Instruments)</a:t>
+            </a:r>
+          </a:p>
+          <a:p>
+            <a:r>
+              <a:rPr lang="en-US" sz="4400" b="1" u="sng" dirty="0" smtClean="0"/>
+              <a:t>Supervisor:</a:t>
+            </a:r>
+          </a:p>
+          <a:p>
+            <a:r>
+              <a:rPr lang="en-US" sz="4400" dirty="0" smtClean="0"/>
+              <a:t>Dr. Robert Throne</a:t>
+            </a:r>
+          </a:p>
+        </p:txBody>
+      </p:sp>
+      <p:pic>
+        <p:nvPicPr>
+          <p:cNvPr id="9" name="Picture 2"/>
+          <p:cNvPicPr>
+            <a:picLocks noChangeAspect="1" noChangeArrowheads="1"/>
+          </p:cNvPicPr>
+          <p:nvPr/>
+        </p:nvPicPr>
+        <p:blipFill>
+          <a:blip r:embed="rId21">
+            <a:extLst>
+              <a:ext uri="{28A0092B-C50C-407E-A947-70E740481C1C}">
+                <a14:useLocalDpi xmlns:a14="http://schemas.microsoft.com/office/drawing/2010/main" val="0"/>
+              </a:ext>
+            </a:extLst>
+          </a:blip>
+          <a:srcRect/>
+          <a:stretch>
+            <a:fillRect/>
+          </a:stretch>
+        </p:blipFill>
+        <p:spPr bwMode="auto">
+          <a:xfrm>
+            <a:off x="37871400" y="29870401"/>
+            <a:ext cx="1537231" cy="2104824"/>
+          </a:xfrm>
+          <a:prstGeom prst="rect">
+            <a:avLst/>
+          </a:prstGeom>
+          <a:noFill/>
+          <a:ln>
+            <a:noFill/>
+          </a:ln>
+          <a:effectLst/>
+          <a:extLst>
+            <a:ext uri="{909E8E84-426E-40DD-AFC4-6F175D3DCCD1}">
+              <a14:hiddenFill xmlns:a14="http://schemas.microsoft.com/office/drawing/2010/main">
+                <a:solidFill>
+                  <a:schemeClr val="accent1"/>
+                </a:solidFill>
+              </a14:hiddenFill>
+            </a:ext>
+            <a:ext uri="{91240B29-F687-4F45-9708-019B960494DF}">
+              <a14:hiddenLine xmlns:a14="http://schemas.microsoft.com/office/drawing/2010/main" w="9525">
+                <a:solidFill>
+                  <a:schemeClr val="tx1"/>
+                </a:solidFill>
+                <a:miter lim="800000"/>
+                <a:headEnd/>
+                <a:tailEnd/>
+              </a14:hiddenLine>
+            </a:ext>
+            <a:ext uri="{AF507438-7753-43E0-B8FC-AC1667EBCBE1}">
+              <a14:hiddenEffects xmlns:a14="http://schemas.microsoft.com/office/drawing/2010/main">
+                <a:effectLst>
+                  <a:outerShdw dist="35921" dir="2700000" algn="ctr" rotWithShape="0">
+                    <a:schemeClr val="bg2"/>
+                  </a:outerShdw>
+                </a:effectLst>
+              </a14:hiddenEffects>
+            </a:ext>
+          </a:extLst>
+        </p:spPr>
+      </p:pic>
+      <p:pic>
+        <p:nvPicPr>
+          <p:cNvPr id="10" name="Picture 4" descr="Omron Electronics Inc-EMC Div A22E-MK-02"/>
+          <p:cNvPicPr>
+            <a:picLocks noChangeAspect="1" noChangeArrowheads="1"/>
+          </p:cNvPicPr>
+          <p:nvPr/>
+        </p:nvPicPr>
+        <p:blipFill>
+          <a:blip r:embed="rId22" cstate="print">
+            <a:extLst>
+              <a:ext uri="{28A0092B-C50C-407E-A947-70E740481C1C}">
+                <a14:useLocalDpi xmlns:a14="http://schemas.microsoft.com/office/drawing/2010/main" val="0"/>
+              </a:ext>
+            </a:extLst>
+          </a:blip>
+          <a:srcRect/>
+          <a:stretch>
+            <a:fillRect/>
+          </a:stretch>
+        </p:blipFill>
+        <p:spPr bwMode="auto">
+          <a:xfrm>
+            <a:off x="40767000" y="29870400"/>
+            <a:ext cx="2057400" cy="2057401"/>
+          </a:xfrm>
+          <a:prstGeom prst="rect">
+            <a:avLst/>
+          </a:prstGeom>
+          <a:noFill/>
+          <a:extLst>
+            <a:ext uri="{909E8E84-426E-40DD-AFC4-6F175D3DCCD1}">
+              <a14:hiddenFill xmlns:a14="http://schemas.microsoft.com/office/drawing/2010/main">
+                <a:solidFill>
+                  <a:srgbClr val="FFFFFF"/>
+                </a:solidFill>
+              </a14:hiddenFill>
+            </a:ext>
+          </a:extLst>
+        </p:spPr>
+      </p:pic>
+      <p:sp>
+        <p:nvSpPr>
+          <p:cNvPr id="11" name="TextBox 10"/>
+          <p:cNvSpPr txBox="1"/>
+          <p:nvPr/>
+        </p:nvSpPr>
+        <p:spPr>
+          <a:xfrm>
+            <a:off x="15279224" y="6855873"/>
+            <a:ext cx="13371976" cy="1569660"/>
+          </a:xfrm>
+          <a:prstGeom prst="rect">
+            <a:avLst/>
+          </a:prstGeom>
+          <a:noFill/>
+        </p:spPr>
+        <p:txBody>
+          <a:bodyPr wrap="square" rtlCol="0">
+            <a:spAutoFit/>
+          </a:bodyPr>
+          <a:lstStyle/>
+          <a:p>
+            <a:r>
+              <a:rPr lang="en-US" sz="3200" dirty="0" smtClean="0"/>
+              <a:t>Problem Description:</a:t>
+            </a:r>
+          </a:p>
+          <a:p>
+            <a:r>
+              <a:rPr lang="en-US" sz="3200" dirty="0" smtClean="0"/>
+              <a:t> </a:t>
+            </a:r>
+          </a:p>
+          <a:p>
+            <a:endParaRPr lang="en-US" sz="3200" dirty="0"/>
+          </a:p>
+        </p:txBody>
+      </p:sp>
     </p:spTree>
     <p:extLst>
       <p:ext uri="{BB962C8B-B14F-4D97-AF65-F5344CB8AC3E}">
